--- a/IntroIngSoft.PresentacionesFinales.pptx
+++ b/IntroIngSoft.PresentacionesFinales.pptx
@@ -232,7 +232,7 @@
             <a:fld id="{0252902A-18E7-6440-A09B-741E2A2B6D42}" type="datetimeFigureOut">
               <a:rPr lang="es-ES" smtClean="0"/>
               <a:pPr/>
-              <a:t>28/05/2019</a:t>
+              <a:t>28/5/19</a:t>
             </a:fld>
             <a:endParaRPr lang="es-ES"/>
           </a:p>
@@ -400,7 +400,7 @@
             <a:fld id="{4FA7064A-13DB-A34E-B31E-2D0AF10C5A7A}" type="datetimeFigureOut">
               <a:rPr lang="es-ES" smtClean="0"/>
               <a:pPr/>
-              <a:t>28/05/2019</a:t>
+              <a:t>28/5/19</a:t>
             </a:fld>
             <a:endParaRPr lang="es-ES"/>
           </a:p>
@@ -464,35 +464,35 @@
           <a:p>
             <a:pPr lvl="0"/>
             <a:r>
-              <a:rPr lang="es-ES_tradnl" smtClean="0"/>
+              <a:rPr lang="es-ES_tradnl"/>
               <a:t>Haga clic para modificar el estilo de texto del patrón</a:t>
             </a:r>
           </a:p>
           <a:p>
             <a:pPr lvl="1"/>
             <a:r>
-              <a:rPr lang="es-ES_tradnl" smtClean="0"/>
+              <a:rPr lang="es-ES_tradnl"/>
               <a:t>Segundo nivel</a:t>
             </a:r>
           </a:p>
           <a:p>
             <a:pPr lvl="2"/>
             <a:r>
-              <a:rPr lang="es-ES_tradnl" smtClean="0"/>
+              <a:rPr lang="es-ES_tradnl"/>
               <a:t>Tercer nivel</a:t>
             </a:r>
           </a:p>
           <a:p>
             <a:pPr lvl="3"/>
             <a:r>
-              <a:rPr lang="es-ES_tradnl" smtClean="0"/>
+              <a:rPr lang="es-ES_tradnl"/>
               <a:t>Cuarto nivel</a:t>
             </a:r>
           </a:p>
           <a:p>
             <a:pPr lvl="4"/>
             <a:r>
-              <a:rPr lang="es-ES_tradnl" smtClean="0"/>
+              <a:rPr lang="es-ES_tradnl"/>
               <a:t>Quinto nivel</a:t>
             </a:r>
             <a:endParaRPr lang="es-ES"/>
@@ -2727,7 +2727,7 @@
           </a:lstStyle>
           <a:p>
             <a:r>
-              <a:rPr kumimoji="0" lang="es-ES_tradnl" smtClean="0"/>
+              <a:rPr kumimoji="0" lang="es-ES_tradnl"/>
               <a:t>Haga clic para modificar el estilo de subtítulo del patrón</a:t>
             </a:r>
             <a:endParaRPr kumimoji="0" lang="en-US"/>
@@ -2751,7 +2751,7 @@
           <a:p>
             <a:pPr eaLnBrk="1" latinLnBrk="0" hangingPunct="1"/>
             <a:r>
-              <a:rPr lang="es-ES_tradnl" smtClean="0"/>
+              <a:rPr lang="es-ES_tradnl"/>
               <a:t>2017-2018</a:t>
             </a:r>
             <a:endParaRPr lang="en-US"/>
@@ -2774,10 +2774,9 @@
           <a:lstStyle/>
           <a:p>
             <a:r>
-              <a:rPr kumimoji="0" lang="en-US" smtClean="0"/>
+              <a:rPr kumimoji="0" lang="en-US"/>
               <a:t>Introduction to Software Engineering</a:t>
             </a:r>
-            <a:endParaRPr kumimoji="0" lang="en-US"/>
           </a:p>
         </p:txBody>
       </p:sp>
@@ -3028,7 +3027,7 @@
           </a:lstStyle>
           <a:p>
             <a:r>
-              <a:rPr kumimoji="0" lang="es-ES_tradnl" smtClean="0"/>
+              <a:rPr kumimoji="0" lang="es-ES_tradnl"/>
               <a:t>Clic para editar título</a:t>
             </a:r>
             <a:endParaRPr kumimoji="0" lang="en-US"/>
@@ -3083,13 +3082,6 @@
     <a:masterClrMapping/>
   </p:clrMapOvr>
   <p:transition advClick="0" advTm="20000"/>
-  <p:timing>
-    <p:tnLst>
-      <p:par>
-        <p:cTn id="1" dur="indefinite" restart="never" nodeType="tmRoot"/>
-      </p:par>
-    </p:tnLst>
-  </p:timing>
 </p:sldLayout>
 </file>
 
@@ -3126,7 +3118,7 @@
           <a:lstStyle/>
           <a:p>
             <a:r>
-              <a:rPr kumimoji="0" lang="es-ES_tradnl" smtClean="0"/>
+              <a:rPr kumimoji="0" lang="es-ES_tradnl"/>
               <a:t>Clic para editar título</a:t>
             </a:r>
             <a:endParaRPr kumimoji="0" lang="en-US"/>
@@ -3150,35 +3142,35 @@
           <a:p>
             <a:pPr lvl="0" eaLnBrk="1" latinLnBrk="0" hangingPunct="1"/>
             <a:r>
-              <a:rPr lang="es-ES_tradnl" smtClean="0"/>
+              <a:rPr lang="es-ES_tradnl"/>
               <a:t>Haga clic para modificar el estilo de texto del patrón</a:t>
             </a:r>
           </a:p>
           <a:p>
             <a:pPr lvl="1" eaLnBrk="1" latinLnBrk="0" hangingPunct="1"/>
             <a:r>
-              <a:rPr lang="es-ES_tradnl" smtClean="0"/>
+              <a:rPr lang="es-ES_tradnl"/>
               <a:t>Segundo nivel</a:t>
             </a:r>
           </a:p>
           <a:p>
             <a:pPr lvl="2" eaLnBrk="1" latinLnBrk="0" hangingPunct="1"/>
             <a:r>
-              <a:rPr lang="es-ES_tradnl" smtClean="0"/>
+              <a:rPr lang="es-ES_tradnl"/>
               <a:t>Tercer nivel</a:t>
             </a:r>
           </a:p>
           <a:p>
             <a:pPr lvl="3" eaLnBrk="1" latinLnBrk="0" hangingPunct="1"/>
             <a:r>
-              <a:rPr lang="es-ES_tradnl" smtClean="0"/>
+              <a:rPr lang="es-ES_tradnl"/>
               <a:t>Cuarto nivel</a:t>
             </a:r>
           </a:p>
           <a:p>
             <a:pPr lvl="4" eaLnBrk="1" latinLnBrk="0" hangingPunct="1"/>
             <a:r>
-              <a:rPr lang="es-ES_tradnl" smtClean="0"/>
+              <a:rPr lang="es-ES_tradnl"/>
               <a:t>Quinto nivel</a:t>
             </a:r>
             <a:endParaRPr kumimoji="0" lang="en-US"/>
@@ -3201,7 +3193,7 @@
           <a:lstStyle/>
           <a:p>
             <a:r>
-              <a:rPr lang="es-ES_tradnl" smtClean="0"/>
+              <a:rPr lang="es-ES_tradnl"/>
               <a:t>2017-2018</a:t>
             </a:r>
             <a:endParaRPr lang="en-US"/>
@@ -3224,10 +3216,9 @@
           <a:lstStyle/>
           <a:p>
             <a:r>
-              <a:rPr lang="en-US" smtClean="0"/>
+              <a:rPr lang="en-US"/>
               <a:t>Introduction to Software Engineering</a:t>
             </a:r>
-            <a:endParaRPr lang="en-US"/>
           </a:p>
         </p:txBody>
       </p:sp>
@@ -3684,35 +3675,35 @@
           <a:p>
             <a:pPr lvl="0" eaLnBrk="1" latinLnBrk="0" hangingPunct="1"/>
             <a:r>
-              <a:rPr lang="es-ES_tradnl" smtClean="0"/>
+              <a:rPr lang="es-ES_tradnl"/>
               <a:t>Haga clic para modificar el estilo de texto del patrón</a:t>
             </a:r>
           </a:p>
           <a:p>
             <a:pPr lvl="1" eaLnBrk="1" latinLnBrk="0" hangingPunct="1"/>
             <a:r>
-              <a:rPr lang="es-ES_tradnl" smtClean="0"/>
+              <a:rPr lang="es-ES_tradnl"/>
               <a:t>Segundo nivel</a:t>
             </a:r>
           </a:p>
           <a:p>
             <a:pPr lvl="2" eaLnBrk="1" latinLnBrk="0" hangingPunct="1"/>
             <a:r>
-              <a:rPr lang="es-ES_tradnl" smtClean="0"/>
+              <a:rPr lang="es-ES_tradnl"/>
               <a:t>Tercer nivel</a:t>
             </a:r>
           </a:p>
           <a:p>
             <a:pPr lvl="3" eaLnBrk="1" latinLnBrk="0" hangingPunct="1"/>
             <a:r>
-              <a:rPr lang="es-ES_tradnl" smtClean="0"/>
+              <a:rPr lang="es-ES_tradnl"/>
               <a:t>Cuarto nivel</a:t>
             </a:r>
           </a:p>
           <a:p>
             <a:pPr lvl="4" eaLnBrk="1" latinLnBrk="0" hangingPunct="1"/>
             <a:r>
-              <a:rPr lang="es-ES_tradnl" smtClean="0"/>
+              <a:rPr lang="es-ES_tradnl"/>
               <a:t>Quinto nivel</a:t>
             </a:r>
             <a:endParaRPr kumimoji="0" lang="en-US"/>
@@ -3735,7 +3726,7 @@
           <a:lstStyle/>
           <a:p>
             <a:r>
-              <a:rPr lang="es-ES_tradnl" smtClean="0"/>
+              <a:rPr lang="es-ES_tradnl"/>
               <a:t>2017-2018</a:t>
             </a:r>
             <a:endParaRPr lang="en-US"/>
@@ -3758,10 +3749,9 @@
           <a:lstStyle/>
           <a:p>
             <a:r>
-              <a:rPr lang="en-US" smtClean="0"/>
+              <a:rPr lang="en-US"/>
               <a:t>Introduction to Software Engineering</a:t>
             </a:r>
-            <a:endParaRPr lang="en-US"/>
           </a:p>
         </p:txBody>
       </p:sp>
@@ -3786,7 +3776,7 @@
           <a:lstStyle/>
           <a:p>
             <a:r>
-              <a:rPr kumimoji="0" lang="es-ES_tradnl" smtClean="0"/>
+              <a:rPr kumimoji="0" lang="es-ES_tradnl"/>
               <a:t>Clic para editar título</a:t>
             </a:r>
             <a:endParaRPr kumimoji="0" lang="en-US"/>
@@ -3845,7 +3835,7 @@
           </a:lstStyle>
           <a:p>
             <a:r>
-              <a:rPr kumimoji="0" lang="es-ES_tradnl" smtClean="0"/>
+              <a:rPr kumimoji="0" lang="es-ES_tradnl"/>
               <a:t>Clic para editar título</a:t>
             </a:r>
             <a:endParaRPr kumimoji="0" lang="en-US"/>
@@ -3868,7 +3858,7 @@
           <a:lstStyle/>
           <a:p>
             <a:r>
-              <a:rPr lang="en-US" smtClean="0"/>
+              <a:rPr lang="en-US"/>
               <a:t>Introduction to Software Engineering</a:t>
             </a:r>
             <a:endParaRPr lang="en-US" dirty="0"/>
@@ -3926,35 +3916,35 @@
           <a:p>
             <a:pPr lvl="0" eaLnBrk="1" latinLnBrk="0" hangingPunct="1"/>
             <a:r>
-              <a:rPr lang="es-ES_tradnl" dirty="0" smtClean="0"/>
+              <a:rPr lang="es-ES_tradnl" dirty="0"/>
               <a:t>Haga clic para modificar el estilo de texto del patrón</a:t>
             </a:r>
           </a:p>
           <a:p>
             <a:pPr lvl="1" eaLnBrk="1" latinLnBrk="0" hangingPunct="1"/>
             <a:r>
-              <a:rPr lang="es-ES_tradnl" dirty="0" smtClean="0"/>
+              <a:rPr lang="es-ES_tradnl" dirty="0"/>
               <a:t>Segundo nivel</a:t>
             </a:r>
           </a:p>
           <a:p>
             <a:pPr lvl="2" eaLnBrk="1" latinLnBrk="0" hangingPunct="1"/>
             <a:r>
-              <a:rPr lang="es-ES_tradnl" dirty="0" smtClean="0"/>
+              <a:rPr lang="es-ES_tradnl" dirty="0"/>
               <a:t>Tercer nivel</a:t>
             </a:r>
           </a:p>
           <a:p>
             <a:pPr lvl="3" eaLnBrk="1" latinLnBrk="0" hangingPunct="1"/>
             <a:r>
-              <a:rPr lang="es-ES_tradnl" dirty="0" smtClean="0"/>
+              <a:rPr lang="es-ES_tradnl" dirty="0"/>
               <a:t>Cuarto nivel</a:t>
             </a:r>
           </a:p>
           <a:p>
             <a:pPr lvl="4" eaLnBrk="1" latinLnBrk="0" hangingPunct="1"/>
             <a:r>
-              <a:rPr lang="es-ES_tradnl" dirty="0" smtClean="0"/>
+              <a:rPr lang="es-ES_tradnl" dirty="0"/>
               <a:t>Quinto nivel</a:t>
             </a:r>
             <a:endParaRPr kumimoji="0" lang="en-US" dirty="0"/>
@@ -3993,7 +3983,7 @@
           </a:lstStyle>
           <a:p>
             <a:r>
-              <a:rPr lang="es-ES_tradnl" smtClean="0"/>
+              <a:rPr lang="es-ES_tradnl"/>
               <a:t>2017-2018</a:t>
             </a:r>
             <a:endParaRPr lang="en-US" dirty="0"/>
@@ -4006,13 +3996,6 @@
     <a:masterClrMapping/>
   </p:clrMapOvr>
   <p:transition advClick="0" advTm="20000"/>
-  <p:timing>
-    <p:tnLst>
-      <p:par>
-        <p:cTn id="1" dur="indefinite" restart="never" nodeType="tmRoot"/>
-      </p:par>
-    </p:tnLst>
-  </p:timing>
 </p:sldLayout>
 </file>
 
@@ -4320,7 +4303,7 @@
           <a:p>
             <a:pPr lvl="0" eaLnBrk="1" latinLnBrk="0" hangingPunct="1"/>
             <a:r>
-              <a:rPr kumimoji="0" lang="es-ES_tradnl" smtClean="0"/>
+              <a:rPr kumimoji="0" lang="es-ES_tradnl"/>
               <a:t>Haga clic para modificar el estilo de texto del patrón</a:t>
             </a:r>
           </a:p>
@@ -4416,10 +4399,9 @@
           <a:lstStyle/>
           <a:p>
             <a:r>
-              <a:rPr kumimoji="0" lang="en-US" smtClean="0"/>
+              <a:rPr kumimoji="0" lang="en-US"/>
               <a:t>Introduction to Software Engineering</a:t>
             </a:r>
-            <a:endParaRPr kumimoji="0" lang="en-US"/>
           </a:p>
         </p:txBody>
       </p:sp>
@@ -4440,7 +4422,7 @@
           <a:p>
             <a:pPr eaLnBrk="1" latinLnBrk="0" hangingPunct="1"/>
             <a:r>
-              <a:rPr lang="es-ES_tradnl" smtClean="0"/>
+              <a:rPr lang="es-ES_tradnl"/>
               <a:t>2017-2018</a:t>
             </a:r>
             <a:endParaRPr lang="en-US"/>
@@ -4657,7 +4639,7 @@
           </a:lstStyle>
           <a:p>
             <a:r>
-              <a:rPr kumimoji="0" lang="es-ES_tradnl" smtClean="0"/>
+              <a:rPr kumimoji="0" lang="es-ES_tradnl"/>
               <a:t>Clic para editar título</a:t>
             </a:r>
             <a:endParaRPr kumimoji="0" lang="en-US"/>
@@ -4670,13 +4652,6 @@
     <a:masterClrMapping/>
   </p:clrMapOvr>
   <p:transition advClick="0" advTm="20000"/>
-  <p:timing>
-    <p:tnLst>
-      <p:par>
-        <p:cTn id="1" dur="indefinite" restart="never" nodeType="tmRoot"/>
-      </p:par>
-    </p:tnLst>
-  </p:timing>
 </p:sldLayout>
 </file>
 
@@ -4718,7 +4693,7 @@
           <a:lstStyle/>
           <a:p>
             <a:r>
-              <a:rPr kumimoji="0" lang="es-ES_tradnl" smtClean="0"/>
+              <a:rPr kumimoji="0" lang="es-ES_tradnl"/>
               <a:t>Clic para editar título</a:t>
             </a:r>
             <a:endParaRPr kumimoji="0" lang="en-US"/>
@@ -4746,7 +4721,7 @@
           <a:lstStyle/>
           <a:p>
             <a:r>
-              <a:rPr lang="es-ES_tradnl" smtClean="0"/>
+              <a:rPr lang="es-ES_tradnl"/>
               <a:t>2017-2018</a:t>
             </a:r>
             <a:endParaRPr lang="en-US"/>
@@ -4769,10 +4744,9 @@
           <a:lstStyle/>
           <a:p>
             <a:r>
-              <a:rPr lang="en-US" smtClean="0"/>
+              <a:rPr lang="en-US"/>
               <a:t>Introduction to Software Engineering</a:t>
             </a:r>
-            <a:endParaRPr lang="en-US"/>
           </a:p>
         </p:txBody>
       </p:sp>
@@ -4862,35 +4836,35 @@
           <a:p>
             <a:pPr lvl="0" eaLnBrk="1" latinLnBrk="0" hangingPunct="1"/>
             <a:r>
-              <a:rPr lang="es-ES_tradnl" smtClean="0"/>
+              <a:rPr lang="es-ES_tradnl"/>
               <a:t>Haga clic para modificar el estilo de texto del patrón</a:t>
             </a:r>
           </a:p>
           <a:p>
             <a:pPr lvl="1" eaLnBrk="1" latinLnBrk="0" hangingPunct="1"/>
             <a:r>
-              <a:rPr lang="es-ES_tradnl" smtClean="0"/>
+              <a:rPr lang="es-ES_tradnl"/>
               <a:t>Segundo nivel</a:t>
             </a:r>
           </a:p>
           <a:p>
             <a:pPr lvl="2" eaLnBrk="1" latinLnBrk="0" hangingPunct="1"/>
             <a:r>
-              <a:rPr lang="es-ES_tradnl" smtClean="0"/>
+              <a:rPr lang="es-ES_tradnl"/>
               <a:t>Tercer nivel</a:t>
             </a:r>
           </a:p>
           <a:p>
             <a:pPr lvl="3" eaLnBrk="1" latinLnBrk="0" hangingPunct="1"/>
             <a:r>
-              <a:rPr lang="es-ES_tradnl" smtClean="0"/>
+              <a:rPr lang="es-ES_tradnl"/>
               <a:t>Cuarto nivel</a:t>
             </a:r>
           </a:p>
           <a:p>
             <a:pPr lvl="4" eaLnBrk="1" latinLnBrk="0" hangingPunct="1"/>
             <a:r>
-              <a:rPr lang="es-ES_tradnl" smtClean="0"/>
+              <a:rPr lang="es-ES_tradnl"/>
               <a:t>Quinto nivel</a:t>
             </a:r>
             <a:endParaRPr kumimoji="0" lang="en-US"/>
@@ -4923,35 +4897,35 @@
           <a:p>
             <a:pPr lvl="0" eaLnBrk="1" latinLnBrk="0" hangingPunct="1"/>
             <a:r>
-              <a:rPr lang="es-ES_tradnl" smtClean="0"/>
+              <a:rPr lang="es-ES_tradnl"/>
               <a:t>Haga clic para modificar el estilo de texto del patrón</a:t>
             </a:r>
           </a:p>
           <a:p>
             <a:pPr lvl="1" eaLnBrk="1" latinLnBrk="0" hangingPunct="1"/>
             <a:r>
-              <a:rPr lang="es-ES_tradnl" smtClean="0"/>
+              <a:rPr lang="es-ES_tradnl"/>
               <a:t>Segundo nivel</a:t>
             </a:r>
           </a:p>
           <a:p>
             <a:pPr lvl="2" eaLnBrk="1" latinLnBrk="0" hangingPunct="1"/>
             <a:r>
-              <a:rPr lang="es-ES_tradnl" smtClean="0"/>
+              <a:rPr lang="es-ES_tradnl"/>
               <a:t>Tercer nivel</a:t>
             </a:r>
           </a:p>
           <a:p>
             <a:pPr lvl="3" eaLnBrk="1" latinLnBrk="0" hangingPunct="1"/>
             <a:r>
-              <a:rPr lang="es-ES_tradnl" smtClean="0"/>
+              <a:rPr lang="es-ES_tradnl"/>
               <a:t>Cuarto nivel</a:t>
             </a:r>
           </a:p>
           <a:p>
             <a:pPr lvl="4" eaLnBrk="1" latinLnBrk="0" hangingPunct="1"/>
             <a:r>
-              <a:rPr lang="es-ES_tradnl" smtClean="0"/>
+              <a:rPr lang="es-ES_tradnl"/>
               <a:t>Quinto nivel</a:t>
             </a:r>
             <a:endParaRPr kumimoji="0" lang="en-US"/>
@@ -4964,13 +4938,6 @@
     <a:masterClrMapping/>
   </p:clrMapOvr>
   <p:transition advClick="0" advTm="20000"/>
-  <p:timing>
-    <p:tnLst>
-      <p:par>
-        <p:cTn id="1" dur="indefinite" restart="never" nodeType="tmRoot"/>
-      </p:par>
-    </p:tnLst>
-  </p:timing>
 </p:sldLayout>
 </file>
 
@@ -5321,7 +5288,7 @@
           <a:p>
             <a:pPr lvl="0" eaLnBrk="1" latinLnBrk="0" hangingPunct="1"/>
             <a:r>
-              <a:rPr kumimoji="0" lang="es-ES_tradnl" smtClean="0"/>
+              <a:rPr kumimoji="0" lang="es-ES_tradnl"/>
               <a:t>Haga clic para modificar el estilo de texto del patrón</a:t>
             </a:r>
           </a:p>
@@ -5391,7 +5358,7 @@
           <a:p>
             <a:pPr lvl="0" eaLnBrk="1" latinLnBrk="0" hangingPunct="1"/>
             <a:r>
-              <a:rPr kumimoji="0" lang="es-ES_tradnl" smtClean="0"/>
+              <a:rPr kumimoji="0" lang="es-ES_tradnl"/>
               <a:t>Haga clic para modificar el estilo de texto del patrón</a:t>
             </a:r>
           </a:p>
@@ -5413,7 +5380,7 @@
           <a:lstStyle/>
           <a:p>
             <a:r>
-              <a:rPr lang="es-ES_tradnl" smtClean="0"/>
+              <a:rPr lang="es-ES_tradnl"/>
               <a:t>2017-2018</a:t>
             </a:r>
             <a:endParaRPr lang="en-US"/>
@@ -5441,10 +5408,9 @@
           <a:lstStyle/>
           <a:p>
             <a:r>
-              <a:rPr lang="en-US" smtClean="0"/>
+              <a:rPr lang="en-US"/>
               <a:t>Introduction to Software Engineering</a:t>
             </a:r>
-            <a:endParaRPr lang="en-US"/>
           </a:p>
         </p:txBody>
       </p:sp>
@@ -5546,35 +5512,35 @@
           <a:p>
             <a:pPr lvl="0" eaLnBrk="1" latinLnBrk="0" hangingPunct="1"/>
             <a:r>
-              <a:rPr lang="es-ES_tradnl" smtClean="0"/>
+              <a:rPr lang="es-ES_tradnl"/>
               <a:t>Haga clic para modificar el estilo de texto del patrón</a:t>
             </a:r>
           </a:p>
           <a:p>
             <a:pPr lvl="1" eaLnBrk="1" latinLnBrk="0" hangingPunct="1"/>
             <a:r>
-              <a:rPr lang="es-ES_tradnl" smtClean="0"/>
+              <a:rPr lang="es-ES_tradnl"/>
               <a:t>Segundo nivel</a:t>
             </a:r>
           </a:p>
           <a:p>
             <a:pPr lvl="2" eaLnBrk="1" latinLnBrk="0" hangingPunct="1"/>
             <a:r>
-              <a:rPr lang="es-ES_tradnl" smtClean="0"/>
+              <a:rPr lang="es-ES_tradnl"/>
               <a:t>Tercer nivel</a:t>
             </a:r>
           </a:p>
           <a:p>
             <a:pPr lvl="3" eaLnBrk="1" latinLnBrk="0" hangingPunct="1"/>
             <a:r>
-              <a:rPr lang="es-ES_tradnl" smtClean="0"/>
+              <a:rPr lang="es-ES_tradnl"/>
               <a:t>Cuarto nivel</a:t>
             </a:r>
           </a:p>
           <a:p>
             <a:pPr lvl="4" eaLnBrk="1" latinLnBrk="0" hangingPunct="1"/>
             <a:r>
-              <a:rPr lang="es-ES_tradnl" smtClean="0"/>
+              <a:rPr lang="es-ES_tradnl"/>
               <a:t>Quinto nivel</a:t>
             </a:r>
             <a:endParaRPr kumimoji="0" lang="en-US"/>
@@ -5603,35 +5569,35 @@
           <a:p>
             <a:pPr lvl="0" eaLnBrk="1" latinLnBrk="0" hangingPunct="1"/>
             <a:r>
-              <a:rPr lang="es-ES_tradnl" smtClean="0"/>
+              <a:rPr lang="es-ES_tradnl"/>
               <a:t>Haga clic para modificar el estilo de texto del patrón</a:t>
             </a:r>
           </a:p>
           <a:p>
             <a:pPr lvl="1" eaLnBrk="1" latinLnBrk="0" hangingPunct="1"/>
             <a:r>
-              <a:rPr lang="es-ES_tradnl" smtClean="0"/>
+              <a:rPr lang="es-ES_tradnl"/>
               <a:t>Segundo nivel</a:t>
             </a:r>
           </a:p>
           <a:p>
             <a:pPr lvl="2" eaLnBrk="1" latinLnBrk="0" hangingPunct="1"/>
             <a:r>
-              <a:rPr lang="es-ES_tradnl" smtClean="0"/>
+              <a:rPr lang="es-ES_tradnl"/>
               <a:t>Tercer nivel</a:t>
             </a:r>
           </a:p>
           <a:p>
             <a:pPr lvl="3" eaLnBrk="1" latinLnBrk="0" hangingPunct="1"/>
             <a:r>
-              <a:rPr lang="es-ES_tradnl" smtClean="0"/>
+              <a:rPr lang="es-ES_tradnl"/>
               <a:t>Cuarto nivel</a:t>
             </a:r>
           </a:p>
           <a:p>
             <a:pPr lvl="4" eaLnBrk="1" latinLnBrk="0" hangingPunct="1"/>
             <a:r>
-              <a:rPr lang="es-ES_tradnl" smtClean="0"/>
+              <a:rPr lang="es-ES_tradnl"/>
               <a:t>Quinto nivel</a:t>
             </a:r>
             <a:endParaRPr kumimoji="0" lang="en-US"/>
@@ -5783,7 +5749,7 @@
           <a:lstStyle/>
           <a:p>
             <a:r>
-              <a:rPr kumimoji="0" lang="es-ES_tradnl" smtClean="0"/>
+              <a:rPr kumimoji="0" lang="es-ES_tradnl"/>
               <a:t>Clic para editar título</a:t>
             </a:r>
             <a:endParaRPr kumimoji="0" lang="en-US"/>
@@ -5796,13 +5762,6 @@
     <a:masterClrMapping/>
   </p:clrMapOvr>
   <p:transition advClick="0" advTm="20000"/>
-  <p:timing>
-    <p:tnLst>
-      <p:par>
-        <p:cTn id="1" dur="indefinite" restart="never" nodeType="tmRoot"/>
-      </p:par>
-    </p:tnLst>
-  </p:timing>
 </p:sldLayout>
 </file>
 
@@ -5839,7 +5798,7 @@
           <a:lstStyle/>
           <a:p>
             <a:r>
-              <a:rPr kumimoji="0" lang="es-ES_tradnl" smtClean="0"/>
+              <a:rPr kumimoji="0" lang="es-ES_tradnl"/>
               <a:t>Clic para editar título</a:t>
             </a:r>
             <a:endParaRPr kumimoji="0" lang="en-US"/>
@@ -5862,7 +5821,7 @@
           <a:lstStyle/>
           <a:p>
             <a:r>
-              <a:rPr lang="es-ES_tradnl" smtClean="0"/>
+              <a:rPr lang="es-ES_tradnl"/>
               <a:t>2017-2018</a:t>
             </a:r>
             <a:endParaRPr lang="en-US"/>
@@ -5885,10 +5844,9 @@
           <a:lstStyle/>
           <a:p>
             <a:r>
-              <a:rPr lang="en-US" smtClean="0"/>
+              <a:rPr lang="en-US"/>
               <a:t>Introduction to Software Engineering</a:t>
             </a:r>
-            <a:endParaRPr lang="en-US"/>
           </a:p>
         </p:txBody>
       </p:sp>
@@ -5927,13 +5885,6 @@
     <a:masterClrMapping/>
   </p:clrMapOvr>
   <p:transition advClick="0" advTm="20000"/>
-  <p:timing>
-    <p:tnLst>
-      <p:par>
-        <p:cTn id="1" dur="indefinite" restart="never" nodeType="tmRoot"/>
-      </p:par>
-    </p:tnLst>
-  </p:timing>
 </p:sldLayout>
 </file>
 
@@ -6188,7 +6139,7 @@
           <a:lstStyle/>
           <a:p>
             <a:r>
-              <a:rPr lang="es-ES_tradnl" smtClean="0"/>
+              <a:rPr lang="es-ES_tradnl"/>
               <a:t>2017-2018</a:t>
             </a:r>
             <a:endParaRPr lang="en-US"/>
@@ -6211,10 +6162,9 @@
           <a:lstStyle/>
           <a:p>
             <a:r>
-              <a:rPr lang="en-US" smtClean="0"/>
+              <a:rPr lang="en-US"/>
               <a:t>Introduction to Software Engineering</a:t>
             </a:r>
-            <a:endParaRPr lang="en-US"/>
           </a:p>
         </p:txBody>
       </p:sp>
@@ -6539,7 +6489,7 @@
           </a:lstStyle>
           <a:p>
             <a:r>
-              <a:rPr kumimoji="0" lang="es-ES_tradnl" smtClean="0"/>
+              <a:rPr kumimoji="0" lang="es-ES_tradnl"/>
               <a:t>Clic para editar título</a:t>
             </a:r>
             <a:endParaRPr kumimoji="0" lang="en-US"/>
@@ -6596,7 +6546,7 @@
           <a:p>
             <a:pPr lvl="0" eaLnBrk="1" latinLnBrk="0" hangingPunct="1"/>
             <a:r>
-              <a:rPr kumimoji="0" lang="es-ES_tradnl" smtClean="0"/>
+              <a:rPr kumimoji="0" lang="es-ES_tradnl"/>
               <a:t>Haga clic para modificar el estilo de texto del patrón</a:t>
             </a:r>
           </a:p>
@@ -6700,35 +6650,35 @@
           <a:p>
             <a:pPr lvl="0" eaLnBrk="1" latinLnBrk="0" hangingPunct="1"/>
             <a:r>
-              <a:rPr lang="es-ES_tradnl" smtClean="0"/>
+              <a:rPr lang="es-ES_tradnl"/>
               <a:t>Haga clic para modificar el estilo de texto del patrón</a:t>
             </a:r>
           </a:p>
           <a:p>
             <a:pPr lvl="1" eaLnBrk="1" latinLnBrk="0" hangingPunct="1"/>
             <a:r>
-              <a:rPr lang="es-ES_tradnl" smtClean="0"/>
+              <a:rPr lang="es-ES_tradnl"/>
               <a:t>Segundo nivel</a:t>
             </a:r>
           </a:p>
           <a:p>
             <a:pPr lvl="2" eaLnBrk="1" latinLnBrk="0" hangingPunct="1"/>
             <a:r>
-              <a:rPr lang="es-ES_tradnl" smtClean="0"/>
+              <a:rPr lang="es-ES_tradnl"/>
               <a:t>Tercer nivel</a:t>
             </a:r>
           </a:p>
           <a:p>
             <a:pPr lvl="3" eaLnBrk="1" latinLnBrk="0" hangingPunct="1"/>
             <a:r>
-              <a:rPr lang="es-ES_tradnl" smtClean="0"/>
+              <a:rPr lang="es-ES_tradnl"/>
               <a:t>Cuarto nivel</a:t>
             </a:r>
           </a:p>
           <a:p>
             <a:pPr lvl="4" eaLnBrk="1" latinLnBrk="0" hangingPunct="1"/>
             <a:r>
-              <a:rPr lang="es-ES_tradnl" smtClean="0"/>
+              <a:rPr lang="es-ES_tradnl"/>
               <a:t>Quinto nivel</a:t>
             </a:r>
             <a:endParaRPr kumimoji="0" lang="en-US"/>
@@ -6922,7 +6872,7 @@
           <a:lstStyle/>
           <a:p>
             <a:r>
-              <a:rPr lang="es-ES_tradnl" smtClean="0"/>
+              <a:rPr lang="es-ES_tradnl"/>
               <a:t>2017-2018</a:t>
             </a:r>
             <a:endParaRPr lang="en-US"/>
@@ -6950,7 +6900,7 @@
           <a:lstStyle/>
           <a:p>
             <a:r>
-              <a:rPr lang="en-US" smtClean="0"/>
+              <a:rPr lang="en-US"/>
               <a:t>Introduction to Software Engineering</a:t>
             </a:r>
             <a:endParaRPr lang="en-US" dirty="0"/>
@@ -7442,7 +7392,7 @@
           </a:lstStyle>
           <a:p>
             <a:r>
-              <a:rPr kumimoji="0" lang="es-ES_tradnl" smtClean="0"/>
+              <a:rPr kumimoji="0" lang="es-ES_tradnl"/>
               <a:t>Clic para editar título</a:t>
             </a:r>
             <a:endParaRPr kumimoji="0" lang="en-US"/>
@@ -7475,7 +7425,7 @@
           </a:lstStyle>
           <a:p>
             <a:r>
-              <a:rPr kumimoji="0" lang="es-ES_tradnl" smtClean="0"/>
+              <a:rPr kumimoji="0" lang="es-ES_tradnl"/>
               <a:t>Arrastre la imagen al marcador de posición o haga clic en el icono para agregar</a:t>
             </a:r>
             <a:endParaRPr kumimoji="0" lang="en-US" dirty="0"/>
@@ -7529,7 +7479,7 @@
           <a:p>
             <a:pPr lvl="0" eaLnBrk="1" latinLnBrk="0" hangingPunct="1"/>
             <a:r>
-              <a:rPr kumimoji="0" lang="es-ES_tradnl" smtClean="0"/>
+              <a:rPr kumimoji="0" lang="es-ES_tradnl"/>
               <a:t>Haga clic para modificar el estilo de texto del patrón</a:t>
             </a:r>
           </a:p>
@@ -7592,7 +7542,7 @@
           <a:lstStyle/>
           <a:p>
             <a:r>
-              <a:rPr lang="es-ES_tradnl" smtClean="0"/>
+              <a:rPr lang="es-ES_tradnl"/>
               <a:t>2017-2018</a:t>
             </a:r>
             <a:endParaRPr lang="en-US"/>
@@ -7620,10 +7570,9 @@
           <a:lstStyle/>
           <a:p>
             <a:r>
-              <a:rPr lang="en-US" smtClean="0"/>
+              <a:rPr lang="en-US"/>
               <a:t>Introduction to Software Engineering</a:t>
             </a:r>
-            <a:endParaRPr lang="en-US"/>
           </a:p>
         </p:txBody>
       </p:sp>
@@ -7870,7 +7819,7 @@
           </a:lstStyle>
           <a:p>
             <a:r>
-              <a:rPr lang="es-ES_tradnl" smtClean="0"/>
+              <a:rPr lang="es-ES_tradnl"/>
               <a:t>2017-2018</a:t>
             </a:r>
             <a:endParaRPr lang="en-US" dirty="0"/>
@@ -7909,7 +7858,7 @@
           </a:lstStyle>
           <a:p>
             <a:r>
-              <a:rPr lang="en-US" smtClean="0"/>
+              <a:rPr lang="en-US"/>
               <a:t>Introduction to Software Engineering</a:t>
             </a:r>
             <a:endParaRPr lang="en-US" dirty="0"/>
@@ -8158,7 +8107,7 @@
           <a:lstStyle/>
           <a:p>
             <a:r>
-              <a:rPr kumimoji="0" lang="es-ES_tradnl" smtClean="0"/>
+              <a:rPr kumimoji="0" lang="es-ES_tradnl"/>
               <a:t>Clic para editar título</a:t>
             </a:r>
             <a:endParaRPr kumimoji="0" lang="en-US"/>
@@ -8192,35 +8141,35 @@
           <a:p>
             <a:pPr lvl="0" eaLnBrk="1" latinLnBrk="0" hangingPunct="1"/>
             <a:r>
-              <a:rPr kumimoji="0" lang="es-ES_tradnl" smtClean="0"/>
+              <a:rPr kumimoji="0" lang="es-ES_tradnl"/>
               <a:t>Haga clic para modificar el estilo de texto del patrón</a:t>
             </a:r>
           </a:p>
           <a:p>
             <a:pPr lvl="1" eaLnBrk="1" latinLnBrk="0" hangingPunct="1"/>
             <a:r>
-              <a:rPr kumimoji="0" lang="es-ES_tradnl" smtClean="0"/>
+              <a:rPr kumimoji="0" lang="es-ES_tradnl"/>
               <a:t>Segundo nivel</a:t>
             </a:r>
           </a:p>
           <a:p>
             <a:pPr lvl="2" eaLnBrk="1" latinLnBrk="0" hangingPunct="1"/>
             <a:r>
-              <a:rPr kumimoji="0" lang="es-ES_tradnl" smtClean="0"/>
+              <a:rPr kumimoji="0" lang="es-ES_tradnl"/>
               <a:t>Tercer nivel</a:t>
             </a:r>
           </a:p>
           <a:p>
             <a:pPr lvl="3" eaLnBrk="1" latinLnBrk="0" hangingPunct="1"/>
             <a:r>
-              <a:rPr kumimoji="0" lang="es-ES_tradnl" smtClean="0"/>
+              <a:rPr kumimoji="0" lang="es-ES_tradnl"/>
               <a:t>Cuarto nivel</a:t>
             </a:r>
           </a:p>
           <a:p>
             <a:pPr lvl="4" eaLnBrk="1" latinLnBrk="0" hangingPunct="1"/>
             <a:r>
-              <a:rPr kumimoji="0" lang="es-ES_tradnl" smtClean="0"/>
+              <a:rPr kumimoji="0" lang="es-ES_tradnl"/>
               <a:t>Quinto nivel</a:t>
             </a:r>
             <a:endParaRPr kumimoji="0" lang="en-US"/>
@@ -8569,7 +8518,7 @@
           <a:lstStyle/>
           <a:p>
             <a:r>
-              <a:rPr lang="en-US" sz="9600" dirty="0" smtClean="0">
+              <a:rPr lang="en-US" sz="9600" dirty="0">
                 <a:solidFill>
                   <a:srgbClr val="0070C0"/>
                 </a:solidFill>
@@ -8606,111 +8555,103 @@
           </a:bodyPr>
           <a:lstStyle/>
           <a:p>
-            <a:r>
-              <a:rPr lang="es-ES" dirty="0" smtClean="0"/>
+            <a:endParaRPr lang="es-ES" dirty="0"/>
+          </a:p>
+          <a:p>
+            <a:r>
+              <a:rPr lang="es-ES" dirty="0"/>
               <a:t>Equipo:</a:t>
             </a:r>
           </a:p>
           <a:p>
             <a:r>
-              <a:rPr lang="es-ES" dirty="0" smtClean="0"/>
+              <a:rPr lang="es-ES" dirty="0"/>
+              <a:t>- Alberto Aguilera, documentación y jefe de proyecto</a:t>
+            </a:r>
+          </a:p>
+          <a:p>
+            <a:r>
+              <a:rPr lang="es-ES" dirty="0"/>
               <a:t>- Laura Bandera, documentación y </a:t>
             </a:r>
             <a:r>
-              <a:rPr lang="es-ES" dirty="0" err="1" smtClean="0"/>
+              <a:rPr lang="es-ES" dirty="0" err="1"/>
               <a:t>tester</a:t>
             </a:r>
-            <a:endParaRPr lang="es-ES" dirty="0" smtClean="0"/>
-          </a:p>
-          <a:p>
-            <a:r>
-              <a:rPr lang="es-ES" dirty="0" smtClean="0"/>
-              <a:t>-</a:t>
-            </a:r>
-            <a:r>
-              <a:rPr lang="es-ES" dirty="0" err="1" smtClean="0"/>
+            <a:endParaRPr lang="es-ES" dirty="0"/>
+          </a:p>
+          <a:p>
+            <a:r>
+              <a:rPr lang="es-ES" dirty="0"/>
+              <a:t>- </a:t>
+            </a:r>
+            <a:r>
+              <a:rPr lang="es-ES" dirty="0" err="1"/>
               <a:t>Fabrice</a:t>
             </a:r>
             <a:r>
-              <a:rPr lang="es-ES" dirty="0" smtClean="0"/>
+              <a:rPr lang="es-ES" dirty="0"/>
               <a:t> </a:t>
             </a:r>
             <a:r>
-              <a:rPr lang="es-ES" dirty="0" err="1" smtClean="0"/>
+              <a:rPr lang="es-ES" dirty="0" err="1"/>
               <a:t>Fouquet</a:t>
             </a:r>
             <a:r>
-              <a:rPr lang="es-ES" dirty="0" smtClean="0"/>
+              <a:rPr lang="es-ES" dirty="0"/>
               <a:t>, modelado y programador</a:t>
             </a:r>
-            <a:endParaRPr lang="es-ES" dirty="0" smtClean="0"/>
-          </a:p>
-          <a:p>
-            <a:r>
-              <a:rPr lang="es-ES" dirty="0" smtClean="0"/>
-              <a:t>-Alberto Aguilera, jefe de proyecto y documentación</a:t>
-            </a:r>
-          </a:p>
-          <a:p>
-            <a:r>
-              <a:rPr lang="es-ES" dirty="0" smtClean="0"/>
-              <a:t>-Alejandro Martín, programador y </a:t>
-            </a:r>
-            <a:r>
-              <a:rPr lang="es-ES" dirty="0" err="1" smtClean="0"/>
+          </a:p>
+          <a:p>
+            <a:r>
+              <a:rPr lang="es-ES" dirty="0"/>
+              <a:t>- Alejandro Martín, programador y </a:t>
+            </a:r>
+            <a:r>
+              <a:rPr lang="es-ES" dirty="0" err="1"/>
               <a:t>tester</a:t>
             </a:r>
-            <a:endParaRPr lang="es-ES" dirty="0" smtClean="0"/>
-          </a:p>
-          <a:p>
-            <a:r>
-              <a:rPr lang="es-ES" dirty="0" smtClean="0"/>
-              <a:t>-Juan Carlos Pérez, jefe de proyecto y </a:t>
-            </a:r>
-            <a:r>
-              <a:rPr lang="es-ES" dirty="0" err="1" smtClean="0"/>
+            <a:endParaRPr lang="es-ES" dirty="0"/>
+          </a:p>
+          <a:p>
+            <a:r>
+              <a:rPr lang="es-ES" dirty="0"/>
+              <a:t>- Elena </a:t>
+            </a:r>
+            <a:r>
+              <a:rPr lang="es-ES" dirty="0" err="1"/>
+              <a:t>Pavaina</a:t>
+            </a:r>
+            <a:r>
+              <a:rPr lang="es-ES" dirty="0"/>
+              <a:t>, documentación y </a:t>
+            </a:r>
+            <a:r>
+              <a:rPr lang="es-ES" dirty="0" err="1"/>
               <a:t>tester</a:t>
             </a:r>
-            <a:endParaRPr lang="es-ES" dirty="0" smtClean="0"/>
-          </a:p>
-          <a:p>
-            <a:r>
-              <a:rPr lang="es-ES" dirty="0" smtClean="0"/>
-              <a:t>-Elena </a:t>
-            </a:r>
-            <a:r>
-              <a:rPr lang="es-ES" dirty="0" err="1" smtClean="0"/>
-              <a:t>Pavaina</a:t>
-            </a:r>
-            <a:r>
-              <a:rPr lang="es-ES" dirty="0" smtClean="0"/>
-              <a:t>, </a:t>
-            </a:r>
-            <a:r>
-              <a:rPr lang="es-ES" dirty="0" err="1" smtClean="0"/>
+            <a:endParaRPr lang="es-ES" dirty="0"/>
+          </a:p>
+          <a:p>
+            <a:r>
+              <a:rPr lang="es-ES" dirty="0"/>
+              <a:t>- Juan Miguel Pedrosa, modelado y </a:t>
+            </a:r>
+            <a:r>
+              <a:rPr lang="es-ES" dirty="0" err="1"/>
               <a:t>tester</a:t>
             </a:r>
-            <a:r>
-              <a:rPr lang="es-ES" dirty="0" smtClean="0"/>
-              <a:t> y documentación</a:t>
-            </a:r>
-          </a:p>
-          <a:p>
-            <a:r>
-              <a:rPr lang="es-ES" dirty="0" smtClean="0"/>
-              <a:t>-Juan Miguel Pedrosa, modelado y </a:t>
-            </a:r>
-            <a:r>
-              <a:rPr lang="es-ES" dirty="0" err="1" smtClean="0"/>
+            <a:endParaRPr lang="es-ES" dirty="0"/>
+          </a:p>
+          <a:p>
+            <a:r>
+              <a:rPr lang="es-ES" dirty="0"/>
+              <a:t>- Juan Carlos Pérez, jefe de proyecto y </a:t>
+            </a:r>
+            <a:r>
+              <a:rPr lang="es-ES" dirty="0" err="1"/>
               <a:t>tester</a:t>
             </a:r>
-            <a:endParaRPr lang="es-ES_tradnl" dirty="0" smtClean="0"/>
-          </a:p>
-          <a:p>
-            <a:pPr marL="285750" indent="-285750">
-              <a:buFontTx/>
-              <a:buChar char="-"/>
-            </a:pPr>
             <a:endParaRPr lang="es-ES" dirty="0"/>
           </a:p>
         </p:txBody>
@@ -8726,13 +8667,6 @@
     <a:masterClrMapping/>
   </p:clrMapOvr>
   <p:transition/>
-  <p:timing>
-    <p:tnLst>
-      <p:par>
-        <p:cTn id="1" dur="indefinite" restart="never" nodeType="tmRoot"/>
-      </p:par>
-    </p:tnLst>
-  </p:timing>
 </p:sld>
 </file>
 
@@ -8787,85 +8721,94 @@
         </p:nvSpPr>
         <p:spPr/>
         <p:txBody>
-          <a:bodyPr/>
+          <a:bodyPr>
+            <a:normAutofit lnSpcReduction="10000"/>
+          </a:bodyPr>
           <a:lstStyle/>
           <a:p>
             <a:pPr marL="285750" indent="-285750">
               <a:buFontTx/>
               <a:buChar char="-"/>
             </a:pPr>
-            <a:r>
-              <a:rPr lang="es-ES" dirty="0"/>
-              <a:t>- Requisitos</a:t>
-            </a:r>
+            <a:endParaRPr lang="es-ES" dirty="0"/>
           </a:p>
           <a:p>
             <a:pPr marL="285750" indent="-285750">
               <a:buFontTx/>
               <a:buChar char="-"/>
             </a:pPr>
-            <a:endParaRPr lang="es-ES" dirty="0"/>
+            <a:r>
+              <a:rPr lang="es-ES" dirty="0"/>
+              <a:t>- Requisitos</a:t>
+            </a:r>
           </a:p>
           <a:p>
             <a:pPr marL="285750" indent="-285750">
               <a:buFontTx/>
               <a:buChar char="-"/>
             </a:pPr>
-            <a:r>
-              <a:rPr lang="es-ES" dirty="0"/>
-              <a:t>- </a:t>
-            </a:r>
-            <a:r>
-              <a:rPr lang="es-ES" b="1" dirty="0"/>
-              <a:t>Arquitectura</a:t>
-            </a:r>
+            <a:endParaRPr lang="es-ES" dirty="0"/>
           </a:p>
           <a:p>
             <a:pPr marL="285750" indent="-285750">
               <a:buFontTx/>
               <a:buChar char="-"/>
             </a:pPr>
-            <a:endParaRPr lang="es-ES" dirty="0"/>
+            <a:r>
+              <a:rPr lang="es-ES" dirty="0"/>
+              <a:t>- </a:t>
+            </a:r>
+            <a:r>
+              <a:rPr lang="es-ES" b="1" dirty="0"/>
+              <a:t>Arquitectura</a:t>
+            </a:r>
           </a:p>
           <a:p>
             <a:pPr marL="285750" indent="-285750">
               <a:buFontTx/>
               <a:buChar char="-"/>
             </a:pPr>
-            <a:r>
-              <a:rPr lang="es-ES" dirty="0"/>
-              <a:t>-Modelos</a:t>
-            </a:r>
+            <a:endParaRPr lang="es-ES" dirty="0"/>
           </a:p>
           <a:p>
             <a:pPr marL="285750" indent="-285750">
               <a:buFontTx/>
               <a:buChar char="-"/>
             </a:pPr>
-            <a:endParaRPr lang="es-ES" dirty="0"/>
+            <a:r>
+              <a:rPr lang="es-ES" dirty="0"/>
+              <a:t>-Modelos</a:t>
+            </a:r>
           </a:p>
           <a:p>
             <a:pPr marL="285750" indent="-285750">
               <a:buFontTx/>
               <a:buChar char="-"/>
             </a:pPr>
-            <a:r>
-              <a:rPr lang="es-ES" dirty="0"/>
-              <a:t>-Patrones/Principios</a:t>
-            </a:r>
+            <a:endParaRPr lang="es-ES" dirty="0"/>
           </a:p>
           <a:p>
             <a:pPr marL="285750" indent="-285750">
               <a:buFontTx/>
               <a:buChar char="-"/>
             </a:pPr>
-            <a:endParaRPr lang="es-ES" dirty="0"/>
+            <a:r>
+              <a:rPr lang="es-ES" dirty="0"/>
+              <a:t>-Patrones/Principios</a:t>
+            </a:r>
           </a:p>
           <a:p>
             <a:pPr marL="285750" indent="-285750">
               <a:buFontTx/>
               <a:buChar char="-"/>
             </a:pPr>
+            <a:endParaRPr lang="es-ES" dirty="0"/>
+          </a:p>
+          <a:p>
+            <a:pPr marL="285750" indent="-285750">
+              <a:buFontTx/>
+              <a:buChar char="-"/>
+            </a:pPr>
             <a:r>
               <a:rPr lang="es-ES" dirty="0"/>
               <a:t>-Pruebas</a:t>
@@ -8911,7 +8854,7 @@
           <a:lstStyle/>
           <a:p>
             <a:r>
-              <a:rPr lang="es-ES_tradnl" smtClean="0"/>
+              <a:rPr lang="es-ES_tradnl"/>
               <a:t>2017-2018</a:t>
             </a:r>
             <a:endParaRPr lang="en-US" dirty="0"/>
@@ -8929,13 +8872,6 @@
     <a:masterClrMapping/>
   </p:clrMapOvr>
   <p:transition advClick="0" advTm="20000"/>
-  <p:timing>
-    <p:tnLst>
-      <p:par>
-        <p:cTn id="1" dur="indefinite" restart="never" nodeType="tmRoot"/>
-      </p:par>
-    </p:tnLst>
-  </p:timing>
 </p:sld>
 </file>
 
@@ -8990,81 +8926,90 @@
         </p:nvSpPr>
         <p:spPr/>
         <p:txBody>
-          <a:bodyPr/>
+          <a:bodyPr>
+            <a:normAutofit lnSpcReduction="10000"/>
+          </a:bodyPr>
           <a:lstStyle/>
           <a:p>
             <a:pPr marL="285750" indent="-285750">
               <a:buFontTx/>
               <a:buChar char="-"/>
             </a:pPr>
-            <a:r>
-              <a:rPr lang="es-ES" dirty="0"/>
-              <a:t>- Requisitos</a:t>
-            </a:r>
+            <a:endParaRPr lang="es-ES" dirty="0"/>
           </a:p>
           <a:p>
             <a:pPr marL="285750" indent="-285750">
               <a:buFontTx/>
               <a:buChar char="-"/>
             </a:pPr>
-            <a:endParaRPr lang="es-ES" dirty="0"/>
+            <a:r>
+              <a:rPr lang="es-ES" dirty="0"/>
+              <a:t>- Requisitos</a:t>
+            </a:r>
           </a:p>
           <a:p>
             <a:pPr marL="285750" indent="-285750">
               <a:buFontTx/>
               <a:buChar char="-"/>
             </a:pPr>
-            <a:r>
-              <a:rPr lang="es-ES" b="1" dirty="0"/>
-              <a:t>- Arquitectura</a:t>
-            </a:r>
+            <a:endParaRPr lang="es-ES" dirty="0"/>
           </a:p>
           <a:p>
             <a:pPr marL="285750" indent="-285750">
               <a:buFontTx/>
               <a:buChar char="-"/>
             </a:pPr>
-            <a:endParaRPr lang="es-ES" dirty="0"/>
+            <a:r>
+              <a:rPr lang="es-ES" b="1" dirty="0"/>
+              <a:t>- Arquitectura</a:t>
+            </a:r>
           </a:p>
           <a:p>
             <a:pPr marL="285750" indent="-285750">
               <a:buFontTx/>
               <a:buChar char="-"/>
             </a:pPr>
-            <a:r>
-              <a:rPr lang="es-ES" dirty="0"/>
-              <a:t>-Modelos</a:t>
-            </a:r>
+            <a:endParaRPr lang="es-ES" dirty="0"/>
           </a:p>
           <a:p>
             <a:pPr marL="285750" indent="-285750">
               <a:buFontTx/>
               <a:buChar char="-"/>
             </a:pPr>
-            <a:endParaRPr lang="es-ES" dirty="0"/>
+            <a:r>
+              <a:rPr lang="es-ES" dirty="0"/>
+              <a:t>-Modelos</a:t>
+            </a:r>
           </a:p>
           <a:p>
             <a:pPr marL="285750" indent="-285750">
               <a:buFontTx/>
               <a:buChar char="-"/>
             </a:pPr>
-            <a:r>
-              <a:rPr lang="es-ES" dirty="0"/>
-              <a:t>-Patrones/Principios</a:t>
-            </a:r>
+            <a:endParaRPr lang="es-ES" dirty="0"/>
           </a:p>
           <a:p>
             <a:pPr marL="285750" indent="-285750">
               <a:buFontTx/>
               <a:buChar char="-"/>
             </a:pPr>
-            <a:endParaRPr lang="es-ES" dirty="0"/>
+            <a:r>
+              <a:rPr lang="es-ES" dirty="0"/>
+              <a:t>-Patrones/Principios</a:t>
+            </a:r>
           </a:p>
           <a:p>
             <a:pPr marL="285750" indent="-285750">
               <a:buFontTx/>
               <a:buChar char="-"/>
             </a:pPr>
+            <a:endParaRPr lang="es-ES" dirty="0"/>
+          </a:p>
+          <a:p>
+            <a:pPr marL="285750" indent="-285750">
+              <a:buFontTx/>
+              <a:buChar char="-"/>
+            </a:pPr>
             <a:r>
               <a:rPr lang="es-ES" dirty="0"/>
               <a:t>-Pruebas</a:t>
@@ -9110,7 +9055,7 @@
           <a:lstStyle/>
           <a:p>
             <a:r>
-              <a:rPr lang="es-ES_tradnl" smtClean="0"/>
+              <a:rPr lang="es-ES_tradnl"/>
               <a:t>2017-2018</a:t>
             </a:r>
             <a:endParaRPr lang="en-US" dirty="0"/>
@@ -9128,13 +9073,6 @@
     <a:masterClrMapping/>
   </p:clrMapOvr>
   <p:transition advClick="0" advTm="20000"/>
-  <p:timing>
-    <p:tnLst>
-      <p:par>
-        <p:cTn id="1" dur="indefinite" restart="never" nodeType="tmRoot"/>
-      </p:par>
-    </p:tnLst>
-  </p:timing>
 </p:sld>
 </file>
 
@@ -9189,81 +9127,90 @@
         </p:nvSpPr>
         <p:spPr/>
         <p:txBody>
-          <a:bodyPr/>
+          <a:bodyPr>
+            <a:normAutofit lnSpcReduction="10000"/>
+          </a:bodyPr>
           <a:lstStyle/>
           <a:p>
             <a:pPr marL="285750" indent="-285750">
               <a:buFontTx/>
               <a:buChar char="-"/>
             </a:pPr>
-            <a:r>
-              <a:rPr lang="es-ES" dirty="0"/>
-              <a:t>- Requisitos</a:t>
-            </a:r>
+            <a:endParaRPr lang="es-ES" dirty="0"/>
           </a:p>
           <a:p>
             <a:pPr marL="285750" indent="-285750">
               <a:buFontTx/>
               <a:buChar char="-"/>
             </a:pPr>
-            <a:endParaRPr lang="es-ES" dirty="0"/>
+            <a:r>
+              <a:rPr lang="es-ES" dirty="0"/>
+              <a:t>- Requisitos</a:t>
+            </a:r>
           </a:p>
           <a:p>
             <a:pPr marL="285750" indent="-285750">
               <a:buFontTx/>
               <a:buChar char="-"/>
             </a:pPr>
-            <a:r>
-              <a:rPr lang="es-ES" dirty="0"/>
-              <a:t>- Arquitectura</a:t>
-            </a:r>
+            <a:endParaRPr lang="es-ES" dirty="0"/>
           </a:p>
           <a:p>
             <a:pPr marL="285750" indent="-285750">
               <a:buFontTx/>
               <a:buChar char="-"/>
             </a:pPr>
-            <a:endParaRPr lang="es-ES" dirty="0"/>
+            <a:r>
+              <a:rPr lang="es-ES" dirty="0"/>
+              <a:t>- Arquitectura</a:t>
+            </a:r>
           </a:p>
           <a:p>
             <a:pPr marL="285750" indent="-285750">
               <a:buFontTx/>
               <a:buChar char="-"/>
             </a:pPr>
-            <a:r>
-              <a:rPr lang="es-ES" b="1" dirty="0"/>
-              <a:t>-Modelos</a:t>
-            </a:r>
+            <a:endParaRPr lang="es-ES" dirty="0"/>
           </a:p>
           <a:p>
             <a:pPr marL="285750" indent="-285750">
               <a:buFontTx/>
               <a:buChar char="-"/>
             </a:pPr>
-            <a:endParaRPr lang="es-ES" dirty="0"/>
+            <a:r>
+              <a:rPr lang="es-ES" b="1" dirty="0"/>
+              <a:t>-Modelos</a:t>
+            </a:r>
           </a:p>
           <a:p>
             <a:pPr marL="285750" indent="-285750">
               <a:buFontTx/>
               <a:buChar char="-"/>
             </a:pPr>
-            <a:r>
-              <a:rPr lang="es-ES" dirty="0"/>
-              <a:t>-Patrones/Principios</a:t>
-            </a:r>
+            <a:endParaRPr lang="es-ES" dirty="0"/>
           </a:p>
           <a:p>
             <a:pPr marL="285750" indent="-285750">
               <a:buFontTx/>
               <a:buChar char="-"/>
             </a:pPr>
-            <a:endParaRPr lang="es-ES" dirty="0"/>
+            <a:r>
+              <a:rPr lang="es-ES" dirty="0"/>
+              <a:t>-Patrones/Principios</a:t>
+            </a:r>
           </a:p>
           <a:p>
             <a:pPr marL="285750" indent="-285750">
               <a:buFontTx/>
               <a:buChar char="-"/>
             </a:pPr>
+            <a:endParaRPr lang="es-ES" dirty="0"/>
+          </a:p>
+          <a:p>
+            <a:pPr marL="285750" indent="-285750">
+              <a:buFontTx/>
+              <a:buChar char="-"/>
+            </a:pPr>
             <a:r>
               <a:rPr lang="es-ES" dirty="0"/>
               <a:t>-Pruebas</a:t>
@@ -9289,8 +9236,11 @@
           <a:bodyPr/>
           <a:lstStyle/>
           <a:p>
-            <a:r>
-              <a:rPr lang="es-ES" dirty="0" smtClean="0"/>
+            <a:pPr marL="0" indent="0" algn="ctr">
+              <a:buNone/>
+            </a:pPr>
+            <a:r>
+              <a:rPr lang="es-ES" dirty="0"/>
               <a:t>Diagrama de caso de uso</a:t>
             </a:r>
           </a:p>
@@ -9315,7 +9265,7 @@
           <a:lstStyle/>
           <a:p>
             <a:r>
-              <a:rPr lang="es-ES_tradnl" smtClean="0"/>
+              <a:rPr lang="es-ES_tradnl"/>
               <a:t>2017-2018</a:t>
             </a:r>
             <a:endParaRPr lang="en-US" dirty="0"/>
@@ -9363,13 +9313,6 @@
     <a:masterClrMapping/>
   </p:clrMapOvr>
   <p:transition advClick="0" advTm="20000"/>
-  <p:timing>
-    <p:tnLst>
-      <p:par>
-        <p:cTn id="1" dur="indefinite" restart="never" nodeType="tmRoot"/>
-      </p:par>
-    </p:tnLst>
-  </p:timing>
 </p:sld>
 </file>
 
@@ -9424,81 +9367,90 @@
         </p:nvSpPr>
         <p:spPr/>
         <p:txBody>
-          <a:bodyPr/>
+          <a:bodyPr>
+            <a:normAutofit lnSpcReduction="10000"/>
+          </a:bodyPr>
           <a:lstStyle/>
           <a:p>
             <a:pPr marL="285750" indent="-285750">
               <a:buFontTx/>
               <a:buChar char="-"/>
             </a:pPr>
-            <a:r>
-              <a:rPr lang="es-ES" dirty="0"/>
-              <a:t>- Requisitos</a:t>
-            </a:r>
+            <a:endParaRPr lang="es-ES" dirty="0"/>
           </a:p>
           <a:p>
             <a:pPr marL="285750" indent="-285750">
               <a:buFontTx/>
               <a:buChar char="-"/>
             </a:pPr>
-            <a:endParaRPr lang="es-ES" dirty="0"/>
+            <a:r>
+              <a:rPr lang="es-ES" dirty="0"/>
+              <a:t>- Requisitos</a:t>
+            </a:r>
           </a:p>
           <a:p>
             <a:pPr marL="285750" indent="-285750">
               <a:buFontTx/>
               <a:buChar char="-"/>
             </a:pPr>
-            <a:r>
-              <a:rPr lang="es-ES" dirty="0"/>
-              <a:t>- Arquitectura</a:t>
-            </a:r>
+            <a:endParaRPr lang="es-ES" dirty="0"/>
           </a:p>
           <a:p>
             <a:pPr marL="285750" indent="-285750">
               <a:buFontTx/>
               <a:buChar char="-"/>
             </a:pPr>
-            <a:endParaRPr lang="es-ES" dirty="0"/>
+            <a:r>
+              <a:rPr lang="es-ES" dirty="0"/>
+              <a:t>- Arquitectura</a:t>
+            </a:r>
           </a:p>
           <a:p>
             <a:pPr marL="285750" indent="-285750">
               <a:buFontTx/>
               <a:buChar char="-"/>
             </a:pPr>
-            <a:r>
-              <a:rPr lang="es-ES" b="1" dirty="0"/>
-              <a:t>-Modelos</a:t>
-            </a:r>
+            <a:endParaRPr lang="es-ES" dirty="0"/>
           </a:p>
           <a:p>
             <a:pPr marL="285750" indent="-285750">
               <a:buFontTx/>
               <a:buChar char="-"/>
             </a:pPr>
-            <a:endParaRPr lang="es-ES" dirty="0"/>
+            <a:r>
+              <a:rPr lang="es-ES" b="1" dirty="0"/>
+              <a:t>-Modelos</a:t>
+            </a:r>
           </a:p>
           <a:p>
             <a:pPr marL="285750" indent="-285750">
               <a:buFontTx/>
               <a:buChar char="-"/>
             </a:pPr>
-            <a:r>
-              <a:rPr lang="es-ES" dirty="0"/>
-              <a:t>-Patrones/Principios</a:t>
-            </a:r>
+            <a:endParaRPr lang="es-ES" dirty="0"/>
           </a:p>
           <a:p>
             <a:pPr marL="285750" indent="-285750">
               <a:buFontTx/>
               <a:buChar char="-"/>
             </a:pPr>
-            <a:endParaRPr lang="es-ES" dirty="0"/>
+            <a:r>
+              <a:rPr lang="es-ES" dirty="0"/>
+              <a:t>-Patrones/Principios</a:t>
+            </a:r>
           </a:p>
           <a:p>
             <a:pPr marL="285750" indent="-285750">
               <a:buFontTx/>
               <a:buChar char="-"/>
             </a:pPr>
+            <a:endParaRPr lang="es-ES" dirty="0"/>
+          </a:p>
+          <a:p>
+            <a:pPr marL="285750" indent="-285750">
+              <a:buFontTx/>
+              <a:buChar char="-"/>
+            </a:pPr>
             <a:r>
               <a:rPr lang="es-ES" dirty="0"/>
               <a:t>-Pruebas</a:t>
@@ -9529,8 +9481,11 @@
           <a:bodyPr/>
           <a:lstStyle/>
           <a:p>
-            <a:r>
-              <a:rPr lang="es-ES" dirty="0" smtClean="0"/>
+            <a:pPr marL="0" indent="0" algn="ctr">
+              <a:buNone/>
+            </a:pPr>
+            <a:r>
+              <a:rPr lang="es-ES" dirty="0"/>
               <a:t>Diagrama de clases</a:t>
             </a:r>
           </a:p>
@@ -9555,7 +9510,7 @@
           <a:lstStyle/>
           <a:p>
             <a:r>
-              <a:rPr lang="es-ES_tradnl" smtClean="0"/>
+              <a:rPr lang="es-ES_tradnl"/>
               <a:t>2017-2018</a:t>
             </a:r>
             <a:endParaRPr lang="en-US" dirty="0"/>
@@ -9584,7 +9539,7 @@
         </p:blipFill>
         <p:spPr>
           <a:xfrm>
-            <a:off x="3124200" y="1783080"/>
+            <a:off x="3051048" y="1674222"/>
             <a:ext cx="5711952" cy="3887653"/>
           </a:xfrm>
           <a:prstGeom prst="rect">
@@ -9603,13 +9558,6 @@
     <a:masterClrMapping/>
   </p:clrMapOvr>
   <p:transition advClick="0" advTm="20000"/>
-  <p:timing>
-    <p:tnLst>
-      <p:par>
-        <p:cTn id="1" dur="indefinite" restart="never" nodeType="tmRoot"/>
-      </p:par>
-    </p:tnLst>
-  </p:timing>
 </p:sld>
 </file>
 
@@ -9670,7 +9618,7 @@
         </p:spPr>
         <p:txBody>
           <a:bodyPr>
-            <a:normAutofit/>
+            <a:normAutofit lnSpcReduction="10000"/>
           </a:bodyPr>
           <a:lstStyle/>
           <a:p>
@@ -9678,83 +9626,85 @@
               <a:buFontTx/>
               <a:buChar char="-"/>
             </a:pPr>
-            <a:r>
-              <a:rPr lang="es-ES" dirty="0"/>
-              <a:t>- Requisitos</a:t>
-            </a:r>
+            <a:endParaRPr lang="es-ES" dirty="0"/>
           </a:p>
           <a:p>
             <a:pPr marL="285750" indent="-285750">
               <a:buFontTx/>
               <a:buChar char="-"/>
             </a:pPr>
-            <a:endParaRPr lang="es-ES" dirty="0"/>
+            <a:r>
+              <a:rPr lang="es-ES" dirty="0"/>
+              <a:t>- Requisitos</a:t>
+            </a:r>
           </a:p>
           <a:p>
             <a:pPr marL="285750" indent="-285750">
               <a:buFontTx/>
               <a:buChar char="-"/>
             </a:pPr>
-            <a:r>
-              <a:rPr lang="es-ES" dirty="0"/>
-              <a:t>- Arquitectura</a:t>
-            </a:r>
+            <a:endParaRPr lang="es-ES" dirty="0"/>
           </a:p>
           <a:p>
             <a:pPr marL="285750" indent="-285750">
               <a:buFontTx/>
               <a:buChar char="-"/>
             </a:pPr>
-            <a:endParaRPr lang="es-ES" dirty="0"/>
+            <a:r>
+              <a:rPr lang="es-ES" dirty="0"/>
+              <a:t>- Arquitectura</a:t>
+            </a:r>
           </a:p>
           <a:p>
             <a:pPr marL="285750" indent="-285750">
               <a:buFontTx/>
               <a:buChar char="-"/>
             </a:pPr>
-            <a:r>
-              <a:rPr lang="es-ES" dirty="0"/>
-              <a:t>-Modelos</a:t>
-            </a:r>
+            <a:endParaRPr lang="es-ES" dirty="0"/>
           </a:p>
           <a:p>
             <a:pPr marL="285750" indent="-285750">
               <a:buFontTx/>
               <a:buChar char="-"/>
             </a:pPr>
-            <a:endParaRPr lang="es-ES" dirty="0"/>
+            <a:r>
+              <a:rPr lang="es-ES" dirty="0"/>
+              <a:t>-Modelos</a:t>
+            </a:r>
           </a:p>
           <a:p>
             <a:pPr marL="285750" indent="-285750">
               <a:buFontTx/>
               <a:buChar char="-"/>
             </a:pPr>
-            <a:r>
-              <a:rPr lang="es-ES" dirty="0" smtClean="0"/>
-              <a:t>-</a:t>
-            </a:r>
-            <a:r>
-              <a:rPr lang="es-ES" sz="1400" b="1" dirty="0"/>
-              <a:t>P</a:t>
-            </a:r>
-            <a:r>
-              <a:rPr lang="es-ES" sz="1400" b="1" dirty="0" smtClean="0"/>
-              <a:t>atrones/Principios</a:t>
-            </a:r>
-            <a:endParaRPr lang="es-ES" sz="1400" b="1" dirty="0"/>
+            <a:endParaRPr lang="es-ES" dirty="0"/>
           </a:p>
           <a:p>
             <a:pPr marL="285750" indent="-285750">
               <a:buFontTx/>
               <a:buChar char="-"/>
             </a:pPr>
-            <a:endParaRPr lang="es-ES" dirty="0"/>
+            <a:r>
+              <a:rPr lang="es-ES" dirty="0"/>
+              <a:t>-</a:t>
+            </a:r>
+            <a:r>
+              <a:rPr lang="es-ES" sz="1400" b="1" dirty="0"/>
+              <a:t>Patrones/Principios</a:t>
+            </a:r>
           </a:p>
           <a:p>
             <a:pPr marL="285750" indent="-285750">
               <a:buFontTx/>
               <a:buChar char="-"/>
             </a:pPr>
+            <a:endParaRPr lang="es-ES" dirty="0"/>
+          </a:p>
+          <a:p>
+            <a:pPr marL="285750" indent="-285750">
+              <a:buFontTx/>
+              <a:buChar char="-"/>
+            </a:pPr>
             <a:r>
               <a:rPr lang="es-ES" dirty="0"/>
               <a:t>-Pruebas</a:t>
@@ -9783,8 +9733,18 @@
             <a:pPr marL="0" indent="0" algn="ctr">
               <a:buNone/>
             </a:pPr>
-            <a:r>
-              <a:rPr lang="es-ES" sz="3600" i="1" dirty="0" smtClean="0">
+            <a:endParaRPr lang="es-ES" sz="3600" i="1" dirty="0">
+              <a:solidFill>
+                <a:schemeClr val="accent1"/>
+              </a:solidFill>
+            </a:endParaRPr>
+          </a:p>
+          <a:p>
+            <a:pPr marL="0" indent="0" algn="ctr">
+              <a:buNone/>
+            </a:pPr>
+            <a:r>
+              <a:rPr lang="es-ES" sz="3600" i="1" dirty="0">
                 <a:solidFill>
                   <a:schemeClr val="accent1"/>
                 </a:solidFill>
@@ -9792,14 +9752,14 @@
               <a:t>Patrón </a:t>
             </a:r>
             <a:r>
-              <a:rPr lang="es-ES" sz="3600" i="1" dirty="0" err="1" smtClean="0">
+              <a:rPr lang="es-ES" sz="3600" i="1" dirty="0" err="1">
                 <a:solidFill>
                   <a:schemeClr val="accent1"/>
                 </a:solidFill>
               </a:rPr>
-              <a:t>strategy</a:t>
-            </a:r>
-            <a:endParaRPr lang="es-ES" sz="3600" i="1" dirty="0" smtClean="0">
+              <a:t>Strategy</a:t>
+            </a:r>
+            <a:endParaRPr lang="es-ES" sz="3600" i="1" dirty="0">
               <a:solidFill>
                 <a:schemeClr val="accent1"/>
               </a:solidFill>
@@ -9810,10 +9770,9 @@
           </a:p>
           <a:p>
             <a:r>
-              <a:rPr lang="es-ES" dirty="0" smtClean="0"/>
+              <a:rPr lang="es-ES" dirty="0"/>
               <a:t>Este patrón nos es de utilidad a la hora de calcular la distancia del usuario a la petición, tanto de su localización GPS como de su domicilio.</a:t>
             </a:r>
-            <a:endParaRPr lang="es-ES" dirty="0"/>
           </a:p>
         </p:txBody>
       </p:sp>
@@ -9833,7 +9792,7 @@
           <a:lstStyle/>
           <a:p>
             <a:r>
-              <a:rPr lang="es-ES_tradnl" smtClean="0"/>
+              <a:rPr lang="es-ES_tradnl"/>
               <a:t>2017-2018</a:t>
             </a:r>
             <a:endParaRPr lang="en-US" dirty="0"/>
@@ -9851,13 +9810,6 @@
     <a:masterClrMapping/>
   </p:clrMapOvr>
   <p:transition advClick="0" advTm="20000"/>
-  <p:timing>
-    <p:tnLst>
-      <p:par>
-        <p:cTn id="1" dur="indefinite" restart="never" nodeType="tmRoot"/>
-      </p:par>
-    </p:tnLst>
-  </p:timing>
 </p:sld>
 </file>
 
@@ -10021,27 +9973,40 @@
           <a:bodyPr/>
           <a:lstStyle/>
           <a:p>
-            <a:r>
-              <a:rPr lang="es-ES" dirty="0" smtClean="0"/>
-              <a:t>Hemos desarrollado varias pruebas </a:t>
-            </a:r>
-            <a:r>
-              <a:rPr lang="es-ES" b="1" dirty="0" err="1" smtClean="0"/>
+            <a:endParaRPr lang="es-ES" dirty="0"/>
+          </a:p>
+          <a:p>
+            <a:endParaRPr lang="es-ES" dirty="0"/>
+          </a:p>
+          <a:p>
+            <a:r>
+              <a:rPr lang="es-ES" dirty="0"/>
+              <a:t>Hemos desarrollado varios </a:t>
+            </a:r>
+            <a:r>
+              <a:rPr lang="es-ES" dirty="0" err="1"/>
+              <a:t>tests</a:t>
+            </a:r>
+            <a:r>
+              <a:rPr lang="es-ES" dirty="0"/>
+              <a:t> </a:t>
+            </a:r>
+            <a:r>
+              <a:rPr lang="es-ES" b="1" dirty="0" err="1"/>
               <a:t>JUnit</a:t>
             </a:r>
             <a:r>
-              <a:rPr lang="es-ES" dirty="0" smtClean="0"/>
+              <a:rPr lang="es-ES" dirty="0"/>
               <a:t> y </a:t>
             </a:r>
             <a:r>
-              <a:rPr lang="es-ES" b="1" dirty="0" err="1" smtClean="0"/>
+              <a:rPr lang="es-ES" b="1" dirty="0" err="1"/>
               <a:t>Mockito</a:t>
             </a:r>
             <a:r>
-              <a:rPr lang="es-ES" dirty="0" smtClean="0"/>
-              <a:t> para hacer pruebas sobre la implementación, creación de peticiones, usuarios…</a:t>
-            </a:r>
-            <a:endParaRPr lang="es-ES" dirty="0"/>
+              <a:rPr lang="es-ES" dirty="0"/>
+              <a:t> para hacer comprobaciones sobre la implementación, creación de peticiones, usuarios…</a:t>
+            </a:r>
           </a:p>
         </p:txBody>
       </p:sp>
@@ -10061,7 +10026,7 @@
           <a:lstStyle/>
           <a:p>
             <a:r>
-              <a:rPr lang="es-ES_tradnl" smtClean="0"/>
+              <a:rPr lang="es-ES_tradnl"/>
               <a:t>2017-2018</a:t>
             </a:r>
             <a:endParaRPr lang="en-US" dirty="0"/>
@@ -10079,13 +10044,6 @@
     <a:masterClrMapping/>
   </p:clrMapOvr>
   <p:transition advClick="0" advTm="20000"/>
-  <p:timing>
-    <p:tnLst>
-      <p:par>
-        <p:cTn id="1" dur="indefinite" restart="never" nodeType="tmRoot"/>
-      </p:par>
-    </p:tnLst>
-  </p:timing>
 </p:sld>
 </file>
 
@@ -10122,155 +10080,109 @@
           <a:lstStyle/>
           <a:p>
             <a:r>
-              <a:rPr lang="es-ES" dirty="0" smtClean="0"/>
-              <a:t>Desarrollo y despliegue</a:t>
-            </a:r>
+              <a:rPr lang="es-ES" dirty="0"/>
+              <a:t>Desarrollo y Despliegue</a:t>
+            </a:r>
+          </a:p>
+        </p:txBody>
+      </p:sp>
+      <p:sp>
+        <p:nvSpPr>
+          <p:cNvPr id="6" name="Marcador de texto 5"/>
+          <p:cNvSpPr>
+            <a:spLocks noGrp="1"/>
+          </p:cNvSpPr>
+          <p:nvPr>
+            <p:ph type="body" idx="2"/>
+          </p:nvPr>
+        </p:nvSpPr>
+        <p:spPr/>
+        <p:txBody>
+          <a:bodyPr/>
+          <a:lstStyle/>
+          <a:p>
             <a:endParaRPr lang="es-ES" dirty="0"/>
           </a:p>
-        </p:txBody>
-      </p:sp>
-      <p:sp>
-        <p:nvSpPr>
-          <p:cNvPr id="6" name="Marcador de texto 5"/>
-          <p:cNvSpPr>
-            <a:spLocks noGrp="1"/>
-          </p:cNvSpPr>
-          <p:nvPr>
-            <p:ph type="body" idx="2"/>
+          <a:p>
+            <a:r>
+              <a:rPr lang="es-ES" dirty="0"/>
+              <a:t>-</a:t>
+            </a:r>
+            <a:r>
+              <a:rPr lang="es-ES" b="1" dirty="0"/>
+              <a:t>Estrategias y Herramientas</a:t>
+            </a:r>
+          </a:p>
+          <a:p>
+            <a:endParaRPr lang="es-ES" b="1" dirty="0"/>
+          </a:p>
+          <a:p>
+            <a:r>
+              <a:rPr lang="es-ES" dirty="0"/>
+              <a:t>-Modelo de Implementación</a:t>
+            </a:r>
+          </a:p>
+          <a:p>
+            <a:endParaRPr lang="es-ES" dirty="0"/>
+          </a:p>
+          <a:p>
+            <a:r>
+              <a:rPr lang="es-ES" dirty="0"/>
+              <a:t>-Despliegue</a:t>
+            </a:r>
+          </a:p>
+        </p:txBody>
+      </p:sp>
+      <p:sp>
+        <p:nvSpPr>
+          <p:cNvPr id="5" name="Marcador de contenido 4"/>
+          <p:cNvSpPr>
+            <a:spLocks noGrp="1"/>
+          </p:cNvSpPr>
+          <p:nvPr>
+            <p:ph sz="quarter" idx="1"/>
           </p:nvPr>
         </p:nvSpPr>
         <p:spPr/>
         <p:txBody>
           <a:bodyPr/>
           <a:lstStyle/>
-          <a:p>
-            <a:r>
-              <a:rPr lang="es-ES" dirty="0" smtClean="0"/>
-              <a:t>-</a:t>
-            </a:r>
-            <a:r>
-              <a:rPr lang="es-ES" b="1" dirty="0" smtClean="0"/>
-              <a:t>Estrategias y herramientas</a:t>
-            </a:r>
-          </a:p>
-          <a:p>
-            <a:r>
-              <a:rPr lang="es-ES" dirty="0" smtClean="0"/>
-              <a:t>-Modelo de implementación</a:t>
-            </a:r>
-          </a:p>
-          <a:p>
-            <a:r>
-              <a:rPr lang="es-ES" dirty="0" smtClean="0"/>
-              <a:t>-Despliegue</a:t>
-            </a:r>
-            <a:endParaRPr lang="es-ES" dirty="0"/>
-          </a:p>
-        </p:txBody>
-      </p:sp>
-      <p:sp>
-        <p:nvSpPr>
-          <p:cNvPr id="5" name="Marcador de contenido 4"/>
-          <p:cNvSpPr>
-            <a:spLocks noGrp="1"/>
-          </p:cNvSpPr>
-          <p:nvPr>
-            <p:ph sz="quarter" idx="1"/>
-          </p:nvPr>
-        </p:nvSpPr>
-        <p:spPr/>
-        <p:txBody>
-          <a:bodyPr/>
-          <a:lstStyle/>
-          <a:p>
-            <a:r>
-              <a:rPr lang="es-ES" dirty="0" smtClean="0"/>
-              <a:t> Estrategias:</a:t>
-            </a:r>
-          </a:p>
           <a:p>
             <a:pPr marL="0" indent="0">
               <a:buNone/>
             </a:pPr>
-            <a:r>
-              <a:rPr lang="es-ES" dirty="0" smtClean="0"/>
-              <a:t>Modelo basado en cascada y </a:t>
-            </a:r>
-            <a:r>
-              <a:rPr lang="es-ES" dirty="0" err="1" smtClean="0"/>
-              <a:t>Scrum</a:t>
-            </a:r>
-            <a:endParaRPr lang="es-ES" dirty="0" smtClean="0"/>
+            <a:endParaRPr lang="es-ES" dirty="0"/>
           </a:p>
           <a:p>
             <a:pPr marL="0" indent="0">
               <a:buNone/>
             </a:pPr>
+            <a:endParaRPr lang="es-ES" sz="1600" dirty="0"/>
+          </a:p>
+          <a:p>
+            <a:pPr>
+              <a:buFont typeface="Arial" panose="020B0604020202020204" pitchFamily="34" charset="0"/>
+              <a:buChar char="•"/>
+            </a:pPr>
+            <a:r>
+              <a:rPr lang="es-ES" dirty="0"/>
+              <a:t>Estrategias:</a:t>
+            </a:r>
+          </a:p>
+          <a:p>
+            <a:pPr lvl="1">
+              <a:buFont typeface="Wingdings" pitchFamily="2" charset="2"/>
+              <a:buChar char="v"/>
+            </a:pPr>
+            <a:r>
+              <a:rPr lang="es-ES" dirty="0"/>
+              <a:t>Modelo basado en cascada y </a:t>
+            </a:r>
+            <a:r>
+              <a:rPr lang="es-ES" dirty="0" err="1"/>
+              <a:t>Scrum</a:t>
+            </a:r>
             <a:endParaRPr lang="es-ES" dirty="0"/>
-          </a:p>
-          <a:p>
-            <a:r>
-              <a:rPr lang="es-ES" dirty="0" smtClean="0"/>
-              <a:t>Herramientas:</a:t>
-            </a:r>
-          </a:p>
-          <a:p>
-            <a:pPr>
-              <a:buFont typeface="Wingdings" panose="05000000000000000000" pitchFamily="2" charset="2"/>
-              <a:buChar char="v"/>
-            </a:pPr>
-            <a:r>
-              <a:rPr lang="es-ES" dirty="0" smtClean="0"/>
-              <a:t> </a:t>
-            </a:r>
-            <a:r>
-              <a:rPr lang="es-ES" dirty="0" err="1" smtClean="0"/>
-              <a:t>MagicDraw</a:t>
-            </a:r>
-            <a:r>
-              <a:rPr lang="es-ES" dirty="0" smtClean="0"/>
-              <a:t> </a:t>
-            </a:r>
-            <a:r>
-              <a:rPr lang="es-ES" dirty="0" err="1" smtClean="0"/>
-              <a:t>Keys</a:t>
-            </a:r>
-            <a:endParaRPr lang="es-ES" dirty="0" smtClean="0"/>
-          </a:p>
-          <a:p>
-            <a:pPr>
-              <a:buFont typeface="Wingdings" panose="05000000000000000000" pitchFamily="2" charset="2"/>
-              <a:buChar char="v"/>
-            </a:pPr>
-            <a:r>
-              <a:rPr lang="es-ES" dirty="0" smtClean="0"/>
-              <a:t>Eclipse</a:t>
-            </a:r>
-          </a:p>
-          <a:p>
-            <a:pPr>
-              <a:buFont typeface="Wingdings" panose="05000000000000000000" pitchFamily="2" charset="2"/>
-              <a:buChar char="v"/>
-            </a:pPr>
-            <a:r>
-              <a:rPr lang="es-ES" dirty="0" err="1" smtClean="0"/>
-              <a:t>Sinnaps</a:t>
-            </a:r>
-            <a:endParaRPr lang="es-ES" dirty="0" smtClean="0"/>
-          </a:p>
-          <a:p>
-            <a:pPr>
-              <a:buFont typeface="Wingdings" panose="05000000000000000000" pitchFamily="2" charset="2"/>
-              <a:buChar char="v"/>
-            </a:pPr>
-            <a:r>
-              <a:rPr lang="es-ES" dirty="0" err="1" smtClean="0"/>
-              <a:t>Github</a:t>
-            </a:r>
-            <a:r>
-              <a:rPr lang="es-ES" dirty="0" smtClean="0"/>
-              <a:t>	</a:t>
-            </a:r>
           </a:p>
           <a:p>
             <a:pPr marL="0" indent="0">
@@ -10278,6 +10190,76 @@
             </a:pPr>
             <a:endParaRPr lang="es-ES" dirty="0"/>
           </a:p>
+          <a:p>
+            <a:pPr>
+              <a:buFont typeface="Arial" panose="020B0604020202020204" pitchFamily="34" charset="0"/>
+              <a:buChar char="•"/>
+            </a:pPr>
+            <a:r>
+              <a:rPr lang="es-ES" dirty="0"/>
+              <a:t>Herramientas:</a:t>
+            </a:r>
+          </a:p>
+          <a:p>
+            <a:pPr lvl="1">
+              <a:buFont typeface="Wingdings" pitchFamily="2" charset="2"/>
+              <a:buChar char="v"/>
+            </a:pPr>
+            <a:r>
+              <a:rPr lang="es-ES" dirty="0" err="1"/>
+              <a:t>MagicDraw</a:t>
+            </a:r>
+            <a:r>
+              <a:rPr lang="es-ES" dirty="0"/>
+              <a:t> </a:t>
+            </a:r>
+            <a:r>
+              <a:rPr lang="es-ES" dirty="0" err="1"/>
+              <a:t>Keys</a:t>
+            </a:r>
+            <a:endParaRPr lang="es-ES" dirty="0"/>
+          </a:p>
+          <a:p>
+            <a:pPr lvl="1">
+              <a:buFont typeface="Wingdings" pitchFamily="2" charset="2"/>
+              <a:buChar char="v"/>
+            </a:pPr>
+            <a:r>
+              <a:rPr lang="es-ES" dirty="0"/>
+              <a:t>Eclipse</a:t>
+            </a:r>
+          </a:p>
+          <a:p>
+            <a:pPr lvl="1">
+              <a:buFont typeface="Wingdings" pitchFamily="2" charset="2"/>
+              <a:buChar char="v"/>
+            </a:pPr>
+            <a:r>
+              <a:rPr lang="es-ES" dirty="0" err="1"/>
+              <a:t>Sinnaps</a:t>
+            </a:r>
+            <a:endParaRPr lang="es-ES" dirty="0"/>
+          </a:p>
+          <a:p>
+            <a:pPr lvl="1">
+              <a:buFont typeface="Wingdings" pitchFamily="2" charset="2"/>
+              <a:buChar char="v"/>
+            </a:pPr>
+            <a:r>
+              <a:rPr lang="es-ES" dirty="0" err="1"/>
+              <a:t>Github</a:t>
+            </a:r>
+            <a:r>
+              <a:rPr lang="es-ES" dirty="0"/>
+              <a:t>	</a:t>
+            </a:r>
+          </a:p>
+          <a:p>
+            <a:pPr marL="0" indent="0">
+              <a:buNone/>
+            </a:pPr>
+            <a:endParaRPr lang="es-ES" dirty="0"/>
+          </a:p>
         </p:txBody>
       </p:sp>
       <p:sp>
@@ -10296,7 +10278,7 @@
           <a:lstStyle/>
           <a:p>
             <a:r>
-              <a:rPr lang="es-ES_tradnl" smtClean="0"/>
+              <a:rPr lang="es-ES_tradnl" dirty="0"/>
               <a:t>2017-2018</a:t>
             </a:r>
             <a:endParaRPr lang="en-US" dirty="0"/>
@@ -10314,13 +10296,6 @@
     <a:masterClrMapping/>
   </p:clrMapOvr>
   <p:transition advClick="0" advTm="20000"/>
-  <p:timing>
-    <p:tnLst>
-      <p:par>
-        <p:cTn id="1" dur="indefinite" restart="never" nodeType="tmRoot"/>
-      </p:par>
-    </p:tnLst>
-  </p:timing>
 </p:sld>
 </file>
 
@@ -10357,16 +10332,20 @@
           <a:lstStyle/>
           <a:p>
             <a:r>
-              <a:rPr lang="en-US" noProof="0" dirty="0" err="1" smtClean="0"/>
+              <a:rPr lang="en-US" noProof="0" dirty="0" err="1"/>
               <a:t>Modelo</a:t>
             </a:r>
             <a:r>
-              <a:rPr lang="en-US" noProof="0" dirty="0" smtClean="0"/>
+              <a:rPr lang="en-US" noProof="0" dirty="0"/>
               <a:t> de </a:t>
             </a:r>
             <a:r>
-              <a:rPr lang="en-US" noProof="0" dirty="0" err="1" smtClean="0"/>
-              <a:t>implementación</a:t>
+              <a:rPr lang="en-US" dirty="0"/>
+              <a:t>I</a:t>
+            </a:r>
+            <a:r>
+              <a:rPr lang="en-US" noProof="0" dirty="0" err="1"/>
+              <a:t>mplementación</a:t>
             </a:r>
             <a:endParaRPr lang="en-US" noProof="0" dirty="0"/>
           </a:p>
@@ -10388,7 +10367,7 @@
           <a:lstStyle/>
           <a:p>
             <a:r>
-              <a:rPr lang="es-ES_tradnl" smtClean="0"/>
+              <a:rPr lang="es-ES_tradnl"/>
               <a:t>2017-2018</a:t>
             </a:r>
             <a:endParaRPr lang="en-US" dirty="0"/>
@@ -10410,39 +10389,41 @@
           <a:bodyPr/>
           <a:lstStyle/>
           <a:p>
-            <a:r>
-              <a:rPr lang="es-ES" dirty="0" smtClean="0"/>
+            <a:endParaRPr lang="es-ES" sz="1600" dirty="0"/>
+          </a:p>
+          <a:p>
+            <a:r>
+              <a:rPr lang="es-ES" dirty="0"/>
               <a:t>Hemos seguido el modelo en cascada combinándolo con la metodología </a:t>
             </a:r>
             <a:r>
-              <a:rPr lang="es-ES" dirty="0" err="1" smtClean="0"/>
+              <a:rPr lang="es-ES" dirty="0" err="1"/>
               <a:t>Scrum</a:t>
             </a:r>
             <a:r>
-              <a:rPr lang="es-ES" dirty="0" smtClean="0"/>
+              <a:rPr lang="es-ES" dirty="0"/>
               <a:t>. </a:t>
             </a:r>
           </a:p>
           <a:p>
             <a:r>
-              <a:rPr lang="es-ES" dirty="0" smtClean="0"/>
+              <a:rPr lang="es-ES" dirty="0"/>
               <a:t>Del modelo en cascada hemos aplicado el desarrollo secuencial partiendo desde la especificación hasta su finalización</a:t>
             </a:r>
           </a:p>
           <a:p>
             <a:r>
-              <a:rPr lang="es-ES" dirty="0" smtClean="0"/>
+              <a:rPr lang="es-ES" dirty="0"/>
               <a:t>De </a:t>
             </a:r>
             <a:r>
-              <a:rPr lang="es-ES" dirty="0" err="1" smtClean="0"/>
+              <a:rPr lang="es-ES" dirty="0" err="1"/>
               <a:t>Scrum</a:t>
             </a:r>
             <a:r>
-              <a:rPr lang="es-ES" dirty="0" smtClean="0"/>
+              <a:rPr lang="es-ES" dirty="0"/>
               <a:t> nos hemos guiado por la comunicación e interacción entre nosotros para el desarrollo del proyecto</a:t>
             </a:r>
-            <a:endParaRPr lang="es-ES" dirty="0"/>
           </a:p>
         </p:txBody>
       </p:sp>
@@ -10457,13 +10438,6 @@
     <a:masterClrMapping/>
   </p:clrMapOvr>
   <p:transition advClick="0" advTm="20000"/>
-  <p:timing>
-    <p:tnLst>
-      <p:par>
-        <p:cTn id="1" dur="indefinite" restart="never" nodeType="tmRoot"/>
-      </p:par>
-    </p:tnLst>
-  </p:timing>
 </p:sld>
 </file>
 
@@ -10500,38 +10474,46 @@
           <a:lstStyle/>
           <a:p>
             <a:r>
-              <a:rPr lang="es-ES" dirty="0" smtClean="0"/>
+              <a:rPr lang="es-ES" dirty="0"/>
               <a:t>Desarrollo y Despliegue</a:t>
             </a:r>
+          </a:p>
+        </p:txBody>
+      </p:sp>
+      <p:sp>
+        <p:nvSpPr>
+          <p:cNvPr id="6" name="Marcador de texto 5"/>
+          <p:cNvSpPr>
+            <a:spLocks noGrp="1"/>
+          </p:cNvSpPr>
+          <p:nvPr>
+            <p:ph type="body" idx="2"/>
+          </p:nvPr>
+        </p:nvSpPr>
+        <p:spPr/>
+        <p:txBody>
+          <a:bodyPr/>
+          <a:lstStyle/>
+          <a:p>
             <a:endParaRPr lang="es-ES" dirty="0"/>
           </a:p>
-        </p:txBody>
-      </p:sp>
-      <p:sp>
-        <p:nvSpPr>
-          <p:cNvPr id="6" name="Marcador de texto 5"/>
-          <p:cNvSpPr>
-            <a:spLocks noGrp="1"/>
-          </p:cNvSpPr>
-          <p:nvPr>
-            <p:ph type="body" idx="2"/>
-          </p:nvPr>
-        </p:nvSpPr>
-        <p:spPr/>
-        <p:txBody>
-          <a:bodyPr/>
-          <a:lstStyle/>
           <a:p>
             <a:r>
               <a:rPr lang="es-ES" dirty="0"/>
-              <a:t>-Estrategias y herramientas</a:t>
-            </a:r>
+              <a:t>-Estrategias y Herramientas</a:t>
+            </a:r>
+          </a:p>
+          <a:p>
+            <a:endParaRPr lang="es-ES" dirty="0"/>
           </a:p>
           <a:p>
             <a:r>
               <a:rPr lang="es-ES" dirty="0"/>
-              <a:t>-Modelo de implementación</a:t>
-            </a:r>
+              <a:t>-Modelo de Implementación</a:t>
+            </a:r>
+          </a:p>
+          <a:p>
+            <a:endParaRPr lang="es-ES" dirty="0"/>
           </a:p>
           <a:p>
             <a:r>
@@ -10563,13 +10545,69 @@
           <a:bodyPr/>
           <a:lstStyle/>
           <a:p>
+            <a:pPr marL="0" indent="0">
+              <a:buNone/>
+            </a:pPr>
+            <a:endParaRPr lang="es-ES" dirty="0"/>
+          </a:p>
+          <a:p>
             <a:pPr>
-              <a:buFont typeface="Wingdings" panose="05000000000000000000" pitchFamily="2" charset="2"/>
-              <a:buChar char="§"/>
-            </a:pPr>
-            <a:r>
-              <a:rPr lang="es-ES" dirty="0" smtClean="0"/>
-              <a:t>Implementación:</a:t>
+              <a:buFont typeface="Arial" panose="020B0604020202020204" pitchFamily="34" charset="0"/>
+              <a:buChar char="•"/>
+            </a:pPr>
+            <a:r>
+              <a:rPr lang="es-ES" dirty="0"/>
+              <a:t>Contenido Implementado:</a:t>
+            </a:r>
+          </a:p>
+          <a:p>
+            <a:pPr marL="0" indent="0">
+              <a:buNone/>
+            </a:pPr>
+            <a:endParaRPr lang="es-ES" dirty="0"/>
+          </a:p>
+          <a:p>
+            <a:pPr lvl="1">
+              <a:buFont typeface="Wingdings" pitchFamily="2" charset="2"/>
+              <a:buChar char="v"/>
+            </a:pPr>
+            <a:r>
+              <a:rPr lang="es-ES" dirty="0"/>
+              <a:t>Interfaz para crear peticiones, borrarlas, editarlas y aceptarlas</a:t>
+            </a:r>
+          </a:p>
+          <a:p>
+            <a:pPr lvl="1">
+              <a:buFont typeface="Wingdings" pitchFamily="2" charset="2"/>
+              <a:buChar char="v"/>
+            </a:pPr>
+            <a:endParaRPr lang="es-ES" dirty="0"/>
+          </a:p>
+          <a:p>
+            <a:pPr lvl="1">
+              <a:buFont typeface="Wingdings" pitchFamily="2" charset="2"/>
+              <a:buChar char="v"/>
+            </a:pPr>
+            <a:r>
+              <a:rPr lang="es-ES" dirty="0"/>
+              <a:t>Comunicación a base de un hilo de mensajes</a:t>
+            </a:r>
+          </a:p>
+          <a:p>
+            <a:pPr lvl="1">
+              <a:buFont typeface="Wingdings" pitchFamily="2" charset="2"/>
+              <a:buChar char="v"/>
+            </a:pPr>
+            <a:endParaRPr lang="es-ES" dirty="0"/>
+          </a:p>
+          <a:p>
+            <a:pPr lvl="1">
+              <a:buFont typeface="Wingdings" pitchFamily="2" charset="2"/>
+              <a:buChar char="v"/>
+            </a:pPr>
+            <a:r>
+              <a:rPr lang="es-ES" dirty="0"/>
+              <a:t>Base de datos que guarde los usuarios registrados con sus respectivos datos</a:t>
             </a:r>
           </a:p>
           <a:p>
@@ -10577,45 +10615,7 @@
               <a:buFont typeface="Wingdings" panose="05000000000000000000" pitchFamily="2" charset="2"/>
               <a:buChar char="§"/>
             </a:pPr>
-            <a:r>
-              <a:rPr lang="es-ES" dirty="0" smtClean="0"/>
-              <a:t>Interfaz para crear peticiones, borrarlas, editarlas y aceptarlas</a:t>
-            </a:r>
-          </a:p>
-          <a:p>
-            <a:pPr lvl="1">
-              <a:buFont typeface="Wingdings" panose="05000000000000000000" pitchFamily="2" charset="2"/>
-              <a:buChar char="§"/>
-            </a:pPr>
-            <a:r>
-              <a:rPr lang="es-ES" dirty="0" smtClean="0"/>
-              <a:t>Comunicación a base de hilo de mensajes</a:t>
-            </a:r>
-          </a:p>
-          <a:p>
-            <a:pPr lvl="1">
-              <a:buFont typeface="Wingdings" panose="05000000000000000000" pitchFamily="2" charset="2"/>
-              <a:buChar char="§"/>
-            </a:pPr>
-            <a:r>
-              <a:rPr lang="es-ES" dirty="0" smtClean="0"/>
-              <a:t>Base de datos que guarde los usuarios registrados</a:t>
-            </a:r>
-            <a:r>
-              <a:rPr lang="es-ES" dirty="0"/>
-              <a:t> </a:t>
-            </a:r>
-            <a:r>
-              <a:rPr lang="es-ES" dirty="0" smtClean="0"/>
-              <a:t>con sus respectivos datos</a:t>
-            </a:r>
-          </a:p>
-          <a:p>
-            <a:pPr lvl="1">
-              <a:buFont typeface="Wingdings" panose="05000000000000000000" pitchFamily="2" charset="2"/>
-              <a:buChar char="§"/>
-            </a:pPr>
-            <a:endParaRPr lang="es-ES" dirty="0" smtClean="0"/>
+            <a:endParaRPr lang="es-ES" dirty="0"/>
           </a:p>
         </p:txBody>
       </p:sp>
@@ -10635,7 +10635,7 @@
           <a:lstStyle/>
           <a:p>
             <a:r>
-              <a:rPr lang="es-ES_tradnl" smtClean="0"/>
+              <a:rPr lang="es-ES_tradnl"/>
               <a:t>2017-2018</a:t>
             </a:r>
             <a:endParaRPr lang="en-US" dirty="0"/>
@@ -10653,13 +10653,6 @@
     <a:masterClrMapping/>
   </p:clrMapOvr>
   <p:transition advClick="0" advTm="20000"/>
-  <p:timing>
-    <p:tnLst>
-      <p:par>
-        <p:cTn id="1" dur="indefinite" restart="never" nodeType="tmRoot"/>
-      </p:par>
-    </p:tnLst>
-  </p:timing>
 </p:sld>
 </file>
 
@@ -10696,38 +10689,46 @@
           <a:lstStyle/>
           <a:p>
             <a:r>
-              <a:rPr lang="es-ES" dirty="0" smtClean="0"/>
-              <a:t>Desarrollo y despliegue</a:t>
-            </a:r>
+              <a:rPr lang="es-ES" dirty="0"/>
+              <a:t>Desarrollo y Despliegue</a:t>
+            </a:r>
+          </a:p>
+        </p:txBody>
+      </p:sp>
+      <p:sp>
+        <p:nvSpPr>
+          <p:cNvPr id="6" name="Marcador de texto 5"/>
+          <p:cNvSpPr>
+            <a:spLocks noGrp="1"/>
+          </p:cNvSpPr>
+          <p:nvPr>
+            <p:ph type="body" idx="2"/>
+          </p:nvPr>
+        </p:nvSpPr>
+        <p:spPr/>
+        <p:txBody>
+          <a:bodyPr/>
+          <a:lstStyle/>
+          <a:p>
             <a:endParaRPr lang="es-ES" dirty="0"/>
           </a:p>
-        </p:txBody>
-      </p:sp>
-      <p:sp>
-        <p:nvSpPr>
-          <p:cNvPr id="6" name="Marcador de texto 5"/>
-          <p:cNvSpPr>
-            <a:spLocks noGrp="1"/>
-          </p:cNvSpPr>
-          <p:nvPr>
-            <p:ph type="body" idx="2"/>
-          </p:nvPr>
-        </p:nvSpPr>
-        <p:spPr/>
-        <p:txBody>
-          <a:bodyPr/>
-          <a:lstStyle/>
           <a:p>
             <a:r>
               <a:rPr lang="es-ES" dirty="0"/>
-              <a:t>-Estrategias y herramientas</a:t>
-            </a:r>
+              <a:t>-Estrategias y Herramientas</a:t>
+            </a:r>
+          </a:p>
+          <a:p>
+            <a:endParaRPr lang="es-ES" dirty="0"/>
           </a:p>
           <a:p>
             <a:r>
               <a:rPr lang="es-ES" dirty="0"/>
-              <a:t>-Modelo de implementación</a:t>
-            </a:r>
+              <a:t>-Modelo de Implementación</a:t>
+            </a:r>
+          </a:p>
+          <a:p>
+            <a:endParaRPr lang="es-ES" dirty="0"/>
           </a:p>
           <a:p>
             <a:r>
@@ -10756,47 +10757,95 @@
         </p:nvSpPr>
         <p:spPr/>
         <p:txBody>
-          <a:bodyPr/>
-          <a:lstStyle/>
-          <a:p>
-            <a:r>
-              <a:rPr lang="es-ES" dirty="0" smtClean="0"/>
-              <a:t>No implementado:</a:t>
-            </a:r>
-          </a:p>
-          <a:p>
-            <a:pPr lvl="1"/>
-            <a:r>
-              <a:rPr lang="es-ES" dirty="0" smtClean="0"/>
+          <a:bodyPr>
+            <a:normAutofit/>
+          </a:bodyPr>
+          <a:lstStyle/>
+          <a:p>
+            <a:pPr marL="0" indent="0">
+              <a:buNone/>
+            </a:pPr>
+            <a:endParaRPr lang="es-ES" dirty="0"/>
+          </a:p>
+          <a:p>
+            <a:pPr>
+              <a:buFont typeface="Arial" panose="020B0604020202020204" pitchFamily="34" charset="0"/>
+              <a:buChar char="•"/>
+            </a:pPr>
+            <a:r>
+              <a:rPr lang="es-ES" dirty="0"/>
+              <a:t>Contenido No Implementado:</a:t>
+            </a:r>
+          </a:p>
+          <a:p>
+            <a:endParaRPr lang="es-ES" dirty="0"/>
+          </a:p>
+          <a:p>
+            <a:pPr lvl="1">
+              <a:buFont typeface="Wingdings" pitchFamily="2" charset="2"/>
+              <a:buChar char="v"/>
+            </a:pPr>
+            <a:r>
+              <a:rPr lang="es-ES" dirty="0"/>
               <a:t>La figura del </a:t>
             </a:r>
             <a:r>
-              <a:rPr lang="es-ES" dirty="0" err="1" smtClean="0"/>
+              <a:rPr lang="es-ES" dirty="0" err="1"/>
               <a:t>admin</a:t>
             </a:r>
             <a:r>
-              <a:rPr lang="es-ES" dirty="0" smtClean="0"/>
+              <a:rPr lang="es-ES" dirty="0"/>
               <a:t> que se encargue de los problemas internos del sistema</a:t>
             </a:r>
           </a:p>
           <a:p>
-            <a:pPr lvl="1"/>
-            <a:r>
-              <a:rPr lang="es-ES" dirty="0" smtClean="0"/>
+            <a:pPr lvl="1">
+              <a:buFont typeface="Wingdings" pitchFamily="2" charset="2"/>
+              <a:buChar char="v"/>
+            </a:pPr>
+            <a:endParaRPr lang="es-ES" dirty="0"/>
+          </a:p>
+          <a:p>
+            <a:pPr lvl="1">
+              <a:buFont typeface="Wingdings" pitchFamily="2" charset="2"/>
+              <a:buChar char="v"/>
+            </a:pPr>
+            <a:r>
+              <a:rPr lang="es-ES" dirty="0"/>
               <a:t>Una función de mapa visual</a:t>
             </a:r>
           </a:p>
           <a:p>
-            <a:pPr lvl="1"/>
-            <a:r>
-              <a:rPr lang="es-ES" dirty="0" smtClean="0"/>
-              <a:t>Vinculación de las peticiones con respecto al código postal</a:t>
-            </a:r>
-          </a:p>
-          <a:p>
-            <a:pPr lvl="1"/>
-            <a:r>
-              <a:rPr lang="es-ES" dirty="0" smtClean="0"/>
+            <a:pPr lvl="1">
+              <a:buFont typeface="Wingdings" pitchFamily="2" charset="2"/>
+              <a:buChar char="v"/>
+            </a:pPr>
+            <a:endParaRPr lang="es-ES" dirty="0"/>
+          </a:p>
+          <a:p>
+            <a:pPr lvl="1">
+              <a:buFont typeface="Wingdings" pitchFamily="2" charset="2"/>
+              <a:buChar char="v"/>
+            </a:pPr>
+            <a:r>
+              <a:rPr lang="es-ES" dirty="0"/>
+              <a:t>Vinculación de las peticiones con respecto a su código postal</a:t>
+            </a:r>
+          </a:p>
+          <a:p>
+            <a:pPr lvl="1">
+              <a:buFont typeface="Wingdings" pitchFamily="2" charset="2"/>
+              <a:buChar char="v"/>
+            </a:pPr>
+            <a:endParaRPr lang="es-ES" dirty="0"/>
+          </a:p>
+          <a:p>
+            <a:pPr lvl="1">
+              <a:buFont typeface="Wingdings" pitchFamily="2" charset="2"/>
+              <a:buChar char="v"/>
+            </a:pPr>
+            <a:r>
+              <a:rPr lang="es-ES" dirty="0"/>
               <a:t>Muro de valoraciones al usuario</a:t>
             </a:r>
           </a:p>
@@ -10818,7 +10867,7 @@
           <a:lstStyle/>
           <a:p>
             <a:r>
-              <a:rPr lang="es-ES_tradnl" smtClean="0"/>
+              <a:rPr lang="es-ES_tradnl"/>
               <a:t>2017-2018</a:t>
             </a:r>
             <a:endParaRPr lang="en-US" dirty="0"/>
@@ -10836,13 +10885,6 @@
     <a:masterClrMapping/>
   </p:clrMapOvr>
   <p:transition advClick="0" advTm="20000"/>
-  <p:timing>
-    <p:tnLst>
-      <p:par>
-        <p:cTn id="1" dur="indefinite" restart="never" nodeType="tmRoot"/>
-      </p:par>
-    </p:tnLst>
-  </p:timing>
 </p:sld>
 </file>
 
@@ -10879,16 +10921,12 @@
           <a:lstStyle/>
           <a:p>
             <a:r>
-              <a:rPr lang="en-US" noProof="0" dirty="0" err="1" smtClean="0"/>
-              <a:t>Contenidos</a:t>
-            </a:r>
-            <a:r>
-              <a:rPr lang="en-US" noProof="0" dirty="0" smtClean="0"/>
-              <a:t> </a:t>
-            </a:r>
-            <a:r>
-              <a:rPr lang="en-US" noProof="0" dirty="0" err="1" smtClean="0"/>
-              <a:t>recomendados</a:t>
+              <a:rPr lang="en-US" noProof="0" dirty="0"/>
+              <a:t>C</a:t>
+            </a:r>
+            <a:r>
+              <a:rPr lang="en-US" dirty="0" err="1"/>
+              <a:t>ontenido</a:t>
             </a:r>
             <a:endParaRPr lang="en-US" noProof="0" dirty="0"/>
           </a:p>
@@ -10910,7 +10948,7 @@
           <a:lstStyle/>
           <a:p>
             <a:r>
-              <a:rPr lang="es-ES_tradnl" smtClean="0"/>
+              <a:rPr lang="es-ES_tradnl"/>
               <a:t>2017-2018</a:t>
             </a:r>
             <a:endParaRPr lang="en-US" dirty="0"/>
@@ -10935,113 +10973,136 @@
           <a:lstStyle/>
           <a:p>
             <a:r>
-              <a:rPr lang="es-ES" dirty="0" smtClean="0"/>
+              <a:rPr lang="es-ES" dirty="0"/>
               <a:t>Introducción </a:t>
             </a:r>
             <a:r>
-              <a:rPr lang="mr-IN" dirty="0" smtClean="0"/>
+              <a:rPr lang="mr-IN" dirty="0"/>
               <a:t>–</a:t>
             </a:r>
             <a:r>
-              <a:rPr lang="es-ES" dirty="0" smtClean="0"/>
+              <a:rPr lang="es-ES" dirty="0"/>
               <a:t> El problema</a:t>
             </a:r>
           </a:p>
           <a:p>
             <a:r>
-              <a:rPr lang="es-ES" dirty="0" smtClean="0"/>
+              <a:rPr lang="es-ES" dirty="0"/>
               <a:t>El equipo y el trabajo en equipo</a:t>
             </a:r>
           </a:p>
           <a:p>
             <a:r>
-              <a:rPr lang="es-ES" dirty="0" smtClean="0"/>
+              <a:rPr lang="es-ES" dirty="0"/>
               <a:t>La solución</a:t>
             </a:r>
           </a:p>
           <a:p>
             <a:r>
-              <a:rPr lang="es-ES" dirty="0" smtClean="0"/>
+              <a:rPr lang="es-ES" dirty="0"/>
               <a:t>Actividades de Ing. </a:t>
             </a:r>
             <a:r>
-              <a:rPr lang="es-ES" dirty="0" err="1" smtClean="0"/>
+              <a:rPr lang="es-ES" dirty="0" err="1"/>
               <a:t>Sw</a:t>
             </a:r>
-            <a:endParaRPr lang="es-ES" dirty="0" smtClean="0"/>
-          </a:p>
-          <a:p>
-            <a:pPr lvl="1"/>
-            <a:r>
-              <a:rPr lang="es-ES" dirty="0" smtClean="0"/>
+            <a:endParaRPr lang="es-ES" dirty="0"/>
+          </a:p>
+          <a:p>
+            <a:pPr lvl="1">
+              <a:buFont typeface="Wingdings" pitchFamily="2" charset="2"/>
+              <a:buChar char="v"/>
+            </a:pPr>
+            <a:r>
+              <a:rPr lang="es-ES" dirty="0"/>
               <a:t>Requisitos</a:t>
             </a:r>
           </a:p>
           <a:p>
-            <a:pPr lvl="1"/>
-            <a:r>
-              <a:rPr lang="es-ES" dirty="0" smtClean="0"/>
+            <a:pPr lvl="1">
+              <a:buFont typeface="Wingdings" pitchFamily="2" charset="2"/>
+              <a:buChar char="v"/>
+            </a:pPr>
+            <a:r>
+              <a:rPr lang="es-ES" dirty="0"/>
               <a:t>Arquitectura</a:t>
             </a:r>
           </a:p>
           <a:p>
-            <a:pPr lvl="1"/>
-            <a:r>
-              <a:rPr lang="es-ES" dirty="0" smtClean="0"/>
+            <a:pPr lvl="1">
+              <a:buFont typeface="Wingdings" pitchFamily="2" charset="2"/>
+              <a:buChar char="v"/>
+            </a:pPr>
+            <a:r>
+              <a:rPr lang="es-ES" dirty="0"/>
               <a:t>Modelos </a:t>
             </a:r>
           </a:p>
           <a:p>
-            <a:pPr lvl="1"/>
-            <a:r>
-              <a:rPr lang="es-ES" dirty="0" smtClean="0"/>
+            <a:pPr lvl="1">
+              <a:buFont typeface="Wingdings" pitchFamily="2" charset="2"/>
+              <a:buChar char="v"/>
+            </a:pPr>
+            <a:r>
+              <a:rPr lang="es-ES" dirty="0"/>
               <a:t>Patrones/Principios</a:t>
             </a:r>
           </a:p>
           <a:p>
-            <a:pPr lvl="1"/>
-            <a:r>
-              <a:rPr lang="es-ES" dirty="0" smtClean="0"/>
+            <a:pPr lvl="1">
+              <a:buFont typeface="Wingdings" pitchFamily="2" charset="2"/>
+              <a:buChar char="v"/>
+            </a:pPr>
+            <a:r>
+              <a:rPr lang="es-ES" dirty="0"/>
               <a:t>Pruebas</a:t>
             </a:r>
           </a:p>
           <a:p>
             <a:r>
-              <a:rPr lang="es-ES" dirty="0" smtClean="0"/>
+              <a:rPr lang="es-ES" dirty="0"/>
               <a:t>Desarrollo/Despliegue</a:t>
             </a:r>
           </a:p>
           <a:p>
-            <a:pPr lvl="1"/>
-            <a:r>
-              <a:rPr lang="es-ES" dirty="0" smtClean="0"/>
+            <a:pPr lvl="1">
+              <a:buFont typeface="Wingdings" pitchFamily="2" charset="2"/>
+              <a:buChar char="v"/>
+            </a:pPr>
+            <a:r>
+              <a:rPr lang="es-ES" dirty="0"/>
               <a:t>Estrategias y herramientas</a:t>
             </a:r>
           </a:p>
           <a:p>
-            <a:pPr lvl="1"/>
-            <a:r>
-              <a:rPr lang="es-ES" dirty="0" smtClean="0"/>
+            <a:pPr lvl="1">
+              <a:buFont typeface="Wingdings" pitchFamily="2" charset="2"/>
+              <a:buChar char="v"/>
+            </a:pPr>
+            <a:r>
+              <a:rPr lang="es-ES" dirty="0"/>
               <a:t>Modelo de Implementación (qué es y qué no es real)</a:t>
             </a:r>
           </a:p>
           <a:p>
-            <a:pPr lvl="1"/>
-            <a:r>
-              <a:rPr lang="es-ES" dirty="0" smtClean="0"/>
+            <a:pPr lvl="1">
+              <a:buFont typeface="Wingdings" pitchFamily="2" charset="2"/>
+              <a:buChar char="v"/>
+            </a:pPr>
+            <a:r>
+              <a:rPr lang="es-ES" dirty="0"/>
               <a:t>Despliegue</a:t>
             </a:r>
-            <a:endParaRPr lang="es-ES" dirty="0"/>
-          </a:p>
-          <a:p>
-            <a:r>
-              <a:rPr lang="es-ES" dirty="0" smtClean="0"/>
+          </a:p>
+          <a:p>
+            <a:r>
+              <a:rPr lang="es-ES" dirty="0"/>
               <a:t>Resultados</a:t>
             </a:r>
           </a:p>
           <a:p>
             <a:r>
-              <a:rPr lang="es-ES" dirty="0" smtClean="0"/>
+              <a:rPr lang="es-ES" dirty="0"/>
               <a:t>Conclusiones</a:t>
             </a:r>
           </a:p>
@@ -11058,13 +11119,6 @@
     <a:masterClrMapping/>
   </p:clrMapOvr>
   <p:transition advClick="0" advTm="20000"/>
-  <p:timing>
-    <p:tnLst>
-      <p:par>
-        <p:cTn id="1" dur="indefinite" restart="never" nodeType="tmRoot"/>
-      </p:par>
-    </p:tnLst>
-  </p:timing>
 </p:sld>
 </file>
 
@@ -11097,8 +11151,8 @@
         </p:nvSpPr>
         <p:spPr>
           <a:xfrm>
-            <a:off x="1368426" y="2743200"/>
-            <a:ext cx="6480174" cy="3254188"/>
+            <a:off x="1331913" y="3243943"/>
+            <a:ext cx="6480174" cy="2449286"/>
           </a:xfrm>
         </p:spPr>
         <p:txBody>
@@ -11108,23 +11162,22 @@
           <a:lstStyle/>
           <a:p>
             <a:r>
-              <a:rPr lang="es-ES" dirty="0" smtClean="0"/>
+              <a:rPr lang="es-ES" dirty="0"/>
               <a:t>Tenemos un sistema de gestión de peticiones basado en una base de datos</a:t>
             </a:r>
           </a:p>
           <a:p>
-            <a:endParaRPr lang="es-ES" dirty="0" smtClean="0"/>
-          </a:p>
-          <a:p>
-            <a:r>
-              <a:rPr lang="es-ES" dirty="0" smtClean="0"/>
+            <a:endParaRPr lang="es-ES" dirty="0"/>
+          </a:p>
+          <a:p>
+            <a:r>
+              <a:rPr lang="es-ES" dirty="0"/>
               <a:t>Debido a la falta de tiempo no hemos conseguido una implementación completa pero si hemos desarrollado funcionalidades básicas.</a:t>
             </a:r>
+          </a:p>
+          <a:p>
             <a:endParaRPr lang="es-ES" dirty="0"/>
           </a:p>
-          <a:p>
-            <a:endParaRPr lang="es-ES" dirty="0" smtClean="0"/>
-          </a:p>
         </p:txBody>
       </p:sp>
       <p:sp>
@@ -11143,7 +11196,7 @@
           <a:lstStyle/>
           <a:p>
             <a:r>
-              <a:rPr lang="es-ES_tradnl" smtClean="0"/>
+              <a:rPr lang="es-ES_tradnl"/>
               <a:t>2017-2018</a:t>
             </a:r>
             <a:endParaRPr lang="en-US" dirty="0"/>
@@ -11173,10 +11226,9 @@
           <a:lstStyle/>
           <a:p>
             <a:r>
-              <a:rPr lang="es-ES" sz="6600" dirty="0" smtClean="0"/>
+              <a:rPr lang="es-ES" sz="6600" dirty="0"/>
               <a:t>Resultados</a:t>
             </a:r>
-            <a:endParaRPr lang="es-ES" sz="6600" dirty="0"/>
           </a:p>
         </p:txBody>
       </p:sp>
@@ -11191,13 +11243,6 @@
     <a:masterClrMapping/>
   </p:clrMapOvr>
   <p:transition advClick="0" advTm="20000"/>
-  <p:timing>
-    <p:tnLst>
-      <p:par>
-        <p:cTn id="1" dur="indefinite" restart="never" nodeType="tmRoot"/>
-      </p:par>
-    </p:tnLst>
-  </p:timing>
 </p:sld>
 </file>
 
@@ -11228,40 +11273,40 @@
             <p:ph type="body" idx="1"/>
           </p:nvPr>
         </p:nvSpPr>
+        <p:spPr>
+          <a:xfrm>
+            <a:off x="1331913" y="3548743"/>
+            <a:ext cx="6480174" cy="1673225"/>
+          </a:xfrm>
+        </p:spPr>
+        <p:txBody>
+          <a:bodyPr/>
+          <a:lstStyle/>
+          <a:p>
+            <a:r>
+              <a:rPr lang="es-ES" dirty="0"/>
+              <a:t>Hemos desarrollado competencias básicas para el desarrollo de un proyecto software, en el que lo importante es la colaboración entre usuarios</a:t>
+            </a:r>
+          </a:p>
+        </p:txBody>
+      </p:sp>
+      <p:sp>
+        <p:nvSpPr>
+          <p:cNvPr id="2" name="Marcador de fecha 1"/>
+          <p:cNvSpPr>
+            <a:spLocks noGrp="1"/>
+          </p:cNvSpPr>
+          <p:nvPr>
+            <p:ph type="dt" sz="half" idx="10"/>
+          </p:nvPr>
+        </p:nvSpPr>
         <p:spPr/>
         <p:txBody>
           <a:bodyPr/>
           <a:lstStyle/>
           <a:p>
             <a:r>
-              <a:rPr lang="es-ES" dirty="0" smtClean="0"/>
-              <a:t>Hemos desarrollado competencias básicas para el desarrollo de un proyecto software, además de haber creado un sistema que fomente la ayuda </a:t>
-            </a:r>
-            <a:r>
-              <a:rPr lang="es-ES" smtClean="0"/>
-              <a:t>entre usuarios</a:t>
-            </a:r>
-            <a:endParaRPr lang="es-ES" dirty="0"/>
-          </a:p>
-        </p:txBody>
-      </p:sp>
-      <p:sp>
-        <p:nvSpPr>
-          <p:cNvPr id="2" name="Marcador de fecha 1"/>
-          <p:cNvSpPr>
-            <a:spLocks noGrp="1"/>
-          </p:cNvSpPr>
-          <p:nvPr>
-            <p:ph type="dt" sz="half" idx="10"/>
-          </p:nvPr>
-        </p:nvSpPr>
-        <p:spPr/>
-        <p:txBody>
-          <a:bodyPr/>
-          <a:lstStyle/>
-          <a:p>
-            <a:r>
-              <a:rPr lang="es-ES_tradnl" smtClean="0"/>
+              <a:rPr lang="es-ES_tradnl"/>
               <a:t>2017-2018</a:t>
             </a:r>
             <a:endParaRPr lang="en-US" dirty="0"/>
@@ -11278,16 +11323,22 @@
             <p:ph type="title"/>
           </p:nvPr>
         </p:nvSpPr>
-        <p:spPr/>
-        <p:txBody>
-          <a:bodyPr/>
-          <a:lstStyle/>
-          <a:p>
-            <a:r>
-              <a:rPr lang="es-ES" dirty="0" smtClean="0"/>
+        <p:spPr>
+          <a:xfrm>
+            <a:off x="722313" y="413657"/>
+            <a:ext cx="7772400" cy="1524000"/>
+          </a:xfrm>
+        </p:spPr>
+        <p:txBody>
+          <a:bodyPr>
+            <a:normAutofit/>
+          </a:bodyPr>
+          <a:lstStyle/>
+          <a:p>
+            <a:r>
+              <a:rPr lang="es-ES" sz="6600" dirty="0"/>
               <a:t>Conclusiones</a:t>
             </a:r>
-            <a:endParaRPr lang="es-ES" dirty="0"/>
           </a:p>
         </p:txBody>
       </p:sp>
@@ -11302,13 +11353,6 @@
     <a:masterClrMapping/>
   </p:clrMapOvr>
   <p:transition advClick="0" advTm="20000"/>
-  <p:timing>
-    <p:tnLst>
-      <p:par>
-        <p:cTn id="1" dur="indefinite" restart="never" nodeType="tmRoot"/>
-      </p:par>
-    </p:tnLst>
-  </p:timing>
 </p:sld>
 </file>
 
@@ -11331,69 +11375,20 @@
       </p:grpSpPr>
       <p:sp>
         <p:nvSpPr>
-          <p:cNvPr id="6148" name="Rectangle 4"/>
-          <p:cNvSpPr>
-            <a:spLocks noGrp="1" noChangeArrowheads="1"/>
-          </p:cNvSpPr>
-          <p:nvPr>
-            <p:ph type="title"/>
-          </p:nvPr>
-        </p:nvSpPr>
-        <p:spPr/>
-        <p:txBody>
-          <a:bodyPr/>
-          <a:lstStyle/>
-          <a:p>
-            <a:r>
-              <a:rPr lang="en-US" noProof="0" dirty="0" err="1" smtClean="0"/>
-              <a:t>Introducción</a:t>
-            </a:r>
-            <a:r>
-              <a:rPr lang="en-US" noProof="0" dirty="0" smtClean="0"/>
-              <a:t> - El </a:t>
-            </a:r>
-            <a:r>
-              <a:rPr lang="en-US" noProof="0" dirty="0" err="1" smtClean="0"/>
-              <a:t>problema</a:t>
-            </a:r>
-            <a:endParaRPr lang="en-US" noProof="0" dirty="0"/>
-          </a:p>
-        </p:txBody>
-      </p:sp>
-      <p:sp>
-        <p:nvSpPr>
-          <p:cNvPr id="2" name="Marcador de fecha 1"/>
-          <p:cNvSpPr>
-            <a:spLocks noGrp="1"/>
-          </p:cNvSpPr>
-          <p:nvPr>
-            <p:ph type="dt" sz="half" idx="2"/>
-          </p:nvPr>
-        </p:nvSpPr>
-        <p:spPr/>
-        <p:txBody>
-          <a:bodyPr/>
-          <a:lstStyle/>
-          <a:p>
-            <a:r>
-              <a:rPr lang="es-ES_tradnl" smtClean="0"/>
-              <a:t>2017-2018</a:t>
-            </a:r>
-            <a:endParaRPr lang="en-US" dirty="0"/>
-          </a:p>
-        </p:txBody>
-      </p:sp>
-      <p:sp>
-        <p:nvSpPr>
           <p:cNvPr id="3" name="Marcador de contenido 2"/>
           <p:cNvSpPr>
             <a:spLocks noGrp="1"/>
           </p:cNvSpPr>
           <p:nvPr>
-            <p:ph sz="quarter" idx="1"/>
-          </p:nvPr>
-        </p:nvSpPr>
-        <p:spPr/>
+            <p:ph type="body" idx="1"/>
+          </p:nvPr>
+        </p:nvSpPr>
+        <p:spPr>
+          <a:xfrm>
+            <a:off x="1331913" y="3394579"/>
+            <a:ext cx="6480174" cy="1673225"/>
+          </a:xfrm>
+        </p:spPr>
         <p:txBody>
           <a:bodyPr/>
           <a:lstStyle/>
@@ -11401,14 +11396,76 @@
             <a:pPr marL="0" indent="0">
               <a:buNone/>
             </a:pPr>
-            <a:endParaRPr lang="es-ES" dirty="0" smtClean="0"/>
-          </a:p>
-          <a:p>
-            <a:r>
-              <a:rPr lang="es-ES" dirty="0" smtClean="0"/>
+            <a:endParaRPr lang="es-ES" dirty="0"/>
+          </a:p>
+          <a:p>
+            <a:r>
+              <a:rPr lang="es-ES" dirty="0"/>
               <a:t>Falta de dinero para contratar profesionales o incapacidad para resolver problemas cotidianos</a:t>
             </a:r>
-            <a:endParaRPr lang="es-ES" dirty="0"/>
+          </a:p>
+        </p:txBody>
+      </p:sp>
+      <p:sp>
+        <p:nvSpPr>
+          <p:cNvPr id="2" name="Marcador de fecha 1"/>
+          <p:cNvSpPr>
+            <a:spLocks noGrp="1"/>
+          </p:cNvSpPr>
+          <p:nvPr>
+            <p:ph type="dt" sz="half" idx="10"/>
+          </p:nvPr>
+        </p:nvSpPr>
+        <p:spPr/>
+        <p:txBody>
+          <a:bodyPr/>
+          <a:lstStyle/>
+          <a:p>
+            <a:r>
+              <a:rPr lang="es-ES_tradnl"/>
+              <a:t>2017-2018</a:t>
+            </a:r>
+            <a:endParaRPr lang="en-US" dirty="0"/>
+          </a:p>
+        </p:txBody>
+      </p:sp>
+      <p:sp>
+        <p:nvSpPr>
+          <p:cNvPr id="6148" name="Rectangle 4"/>
+          <p:cNvSpPr>
+            <a:spLocks noGrp="1" noChangeArrowheads="1"/>
+          </p:cNvSpPr>
+          <p:nvPr>
+            <p:ph type="title"/>
+          </p:nvPr>
+        </p:nvSpPr>
+        <p:spPr>
+          <a:xfrm>
+            <a:off x="685800" y="474617"/>
+            <a:ext cx="7772400" cy="1132114"/>
+          </a:xfrm>
+        </p:spPr>
+        <p:txBody>
+          <a:bodyPr/>
+          <a:lstStyle/>
+          <a:p>
+            <a:r>
+              <a:rPr lang="en-US" noProof="0" dirty="0" err="1"/>
+              <a:t>Introducción</a:t>
+            </a:r>
+            <a:r>
+              <a:rPr lang="en-US" noProof="0" dirty="0"/>
+              <a:t> - El </a:t>
+            </a:r>
+            <a:r>
+              <a:rPr lang="en-US" dirty="0"/>
+              <a:t>P</a:t>
+            </a:r>
+            <a:r>
+              <a:rPr lang="en-US" noProof="0" dirty="0" err="1"/>
+              <a:t>roblema</a:t>
+            </a:r>
+            <a:endParaRPr lang="en-US" noProof="0" dirty="0"/>
           </a:p>
         </p:txBody>
       </p:sp>
@@ -11423,13 +11480,6 @@
     <a:masterClrMapping/>
   </p:clrMapOvr>
   <p:transition advClick="0" advTm="20000"/>
-  <p:timing>
-    <p:tnLst>
-      <p:par>
-        <p:cTn id="1" dur="indefinite" restart="never" nodeType="tmRoot"/>
-      </p:par>
-    </p:tnLst>
-  </p:timing>
 </p:sld>
 </file>
 
@@ -11466,13 +11516,37 @@
           <a:lstStyle/>
           <a:p>
             <a:r>
-              <a:rPr lang="en-US" noProof="0" dirty="0" smtClean="0"/>
+              <a:rPr lang="en-US" noProof="0" dirty="0"/>
               <a:t>El </a:t>
             </a:r>
             <a:r>
-              <a:rPr lang="en-US" noProof="0" dirty="0" err="1" smtClean="0"/>
+              <a:rPr lang="en-US" noProof="0" dirty="0" err="1"/>
               <a:t>equipo</a:t>
             </a:r>
+            <a:r>
+              <a:rPr lang="en-US" noProof="0" dirty="0"/>
+              <a:t> y </a:t>
+            </a:r>
+            <a:r>
+              <a:rPr lang="en-US" noProof="0" dirty="0" err="1"/>
+              <a:t>trabajo</a:t>
+            </a:r>
+            <a:r>
+              <a:rPr lang="en-US" noProof="0" dirty="0"/>
+              <a:t> </a:t>
+            </a:r>
+            <a:r>
+              <a:rPr lang="en-US" noProof="0" dirty="0" err="1"/>
+              <a:t>en</a:t>
+            </a:r>
+            <a:r>
+              <a:rPr lang="en-US" noProof="0" dirty="0"/>
+              <a:t> </a:t>
+            </a:r>
+            <a:r>
+              <a:rPr lang="en-US" noProof="0" dirty="0" err="1"/>
+              <a:t>equipo</a:t>
+            </a:r>
             <a:endParaRPr lang="en-US" noProof="0" dirty="0"/>
           </a:p>
         </p:txBody>
@@ -11493,7 +11567,7 @@
           <a:lstStyle/>
           <a:p>
             <a:r>
-              <a:rPr lang="es-ES_tradnl" smtClean="0"/>
+              <a:rPr lang="es-ES_tradnl"/>
               <a:t>2017-2018</a:t>
             </a:r>
             <a:endParaRPr lang="en-US" dirty="0"/>
@@ -11516,7 +11590,7 @@
           <a:lstStyle/>
           <a:p>
             <a:r>
-              <a:rPr lang="es-ES" dirty="0" smtClean="0"/>
+              <a:rPr lang="es-ES" dirty="0"/>
               <a:t>Este proyecto ha requerido de varias reuniones para saber cuales eran los requisitos principales.</a:t>
             </a:r>
           </a:p>
@@ -11525,7 +11599,7 @@
           </a:p>
           <a:p>
             <a:r>
-              <a:rPr lang="es-ES" dirty="0" smtClean="0"/>
+              <a:rPr lang="es-ES" dirty="0"/>
               <a:t>Para las diferentes fases del desarrollo del proyecto le asignamos a cada participante varios roles.</a:t>
             </a:r>
           </a:p>
@@ -11534,11 +11608,11 @@
           </a:p>
           <a:p>
             <a:r>
-              <a:rPr lang="es-ES" dirty="0" smtClean="0"/>
+              <a:rPr lang="es-ES" dirty="0"/>
               <a:t>En cada tarea cada uno realizaba una parte de ello y luego se procedía a una unificación general subida a </a:t>
             </a:r>
             <a:r>
-              <a:rPr lang="es-ES" dirty="0" err="1" smtClean="0"/>
+              <a:rPr lang="es-ES" dirty="0" err="1"/>
               <a:t>Github</a:t>
             </a:r>
             <a:endParaRPr lang="es-ES" dirty="0"/>
@@ -11556,13 +11630,6 @@
     <a:masterClrMapping/>
   </p:clrMapOvr>
   <p:transition advClick="0" advTm="20000"/>
-  <p:timing>
-    <p:tnLst>
-      <p:par>
-        <p:cTn id="1" dur="indefinite" restart="never" nodeType="tmRoot"/>
-      </p:par>
-    </p:tnLst>
-  </p:timing>
 </p:sld>
 </file>
 
@@ -11585,6 +11652,56 @@
       </p:grpSpPr>
       <p:sp>
         <p:nvSpPr>
+          <p:cNvPr id="3" name="Marcador de contenido 2"/>
+          <p:cNvSpPr>
+            <a:spLocks noGrp="1"/>
+          </p:cNvSpPr>
+          <p:nvPr>
+            <p:ph type="body" idx="1"/>
+          </p:nvPr>
+        </p:nvSpPr>
+        <p:spPr>
+          <a:xfrm>
+            <a:off x="1331913" y="3594995"/>
+            <a:ext cx="6480174" cy="1673225"/>
+          </a:xfrm>
+        </p:spPr>
+        <p:txBody>
+          <a:bodyPr/>
+          <a:lstStyle/>
+          <a:p>
+            <a:r>
+              <a:rPr lang="es-ES" dirty="0"/>
+              <a:t>Desarrollo de un sistema que permita la interacción entre usuarios para prestarse ayuda entre ellos</a:t>
+            </a:r>
+          </a:p>
+        </p:txBody>
+      </p:sp>
+      <p:sp>
+        <p:nvSpPr>
+          <p:cNvPr id="2" name="Marcador de fecha 1"/>
+          <p:cNvSpPr>
+            <a:spLocks noGrp="1"/>
+          </p:cNvSpPr>
+          <p:nvPr>
+            <p:ph type="dt" sz="half" idx="10"/>
+          </p:nvPr>
+        </p:nvSpPr>
+        <p:spPr/>
+        <p:txBody>
+          <a:bodyPr/>
+          <a:lstStyle/>
+          <a:p>
+            <a:r>
+              <a:rPr lang="es-ES_tradnl"/>
+              <a:t>2017-2018</a:t>
+            </a:r>
+            <a:endParaRPr lang="en-US" dirty="0"/>
+          </a:p>
+        </p:txBody>
+      </p:sp>
+      <p:sp>
+        <p:nvSpPr>
           <p:cNvPr id="6148" name="Rectangle 4"/>
           <p:cNvSpPr>
             <a:spLocks noGrp="1" noChangeArrowheads="1"/>
@@ -11593,7 +11710,12 @@
             <p:ph type="title"/>
           </p:nvPr>
         </p:nvSpPr>
-        <p:spPr/>
+        <p:spPr>
+          <a:xfrm>
+            <a:off x="685800" y="469020"/>
+            <a:ext cx="7772400" cy="1302759"/>
+          </a:xfrm>
+        </p:spPr>
         <p:txBody>
           <a:bodyPr>
             <a:noAutofit/>
@@ -11601,60 +11723,10 @@
           <a:lstStyle/>
           <a:p>
             <a:r>
-              <a:rPr lang="en-US" sz="4400" noProof="0" dirty="0" smtClean="0"/>
-              <a:t>La </a:t>
-            </a:r>
-            <a:r>
-              <a:rPr lang="en-US" sz="4400" noProof="0" dirty="0" err="1" smtClean="0"/>
-              <a:t>solución</a:t>
-            </a:r>
-            <a:endParaRPr lang="en-US" sz="4400" noProof="0" dirty="0"/>
-          </a:p>
-        </p:txBody>
-      </p:sp>
-      <p:sp>
-        <p:nvSpPr>
-          <p:cNvPr id="2" name="Marcador de fecha 1"/>
-          <p:cNvSpPr>
-            <a:spLocks noGrp="1"/>
-          </p:cNvSpPr>
-          <p:nvPr>
-            <p:ph type="dt" sz="half" idx="2"/>
-          </p:nvPr>
-        </p:nvSpPr>
-        <p:spPr/>
-        <p:txBody>
-          <a:bodyPr/>
-          <a:lstStyle/>
-          <a:p>
-            <a:r>
-              <a:rPr lang="es-ES_tradnl" smtClean="0"/>
-              <a:t>2017-2018</a:t>
-            </a:r>
-            <a:endParaRPr lang="en-US" dirty="0"/>
-          </a:p>
-        </p:txBody>
-      </p:sp>
-      <p:sp>
-        <p:nvSpPr>
-          <p:cNvPr id="3" name="Marcador de contenido 2"/>
-          <p:cNvSpPr>
-            <a:spLocks noGrp="1"/>
-          </p:cNvSpPr>
-          <p:nvPr>
-            <p:ph sz="quarter" idx="1"/>
-          </p:nvPr>
-        </p:nvSpPr>
-        <p:spPr/>
-        <p:txBody>
-          <a:bodyPr/>
-          <a:lstStyle/>
-          <a:p>
-            <a:r>
-              <a:rPr lang="es-ES" dirty="0" smtClean="0"/>
-              <a:t>Desarrollo de un sistema que permita la interacción entre usuarios para prestarse ayuda entre ellos</a:t>
-            </a:r>
-            <a:endParaRPr lang="es-ES" dirty="0"/>
+              <a:rPr lang="en-US" sz="6600" noProof="0" dirty="0" err="1"/>
+              <a:t>Solución</a:t>
+            </a:r>
+            <a:endParaRPr lang="en-US" sz="6600" noProof="0" dirty="0"/>
           </a:p>
         </p:txBody>
       </p:sp>
@@ -11669,13 +11741,6 @@
     <a:masterClrMapping/>
   </p:clrMapOvr>
   <p:transition advClick="0" advTm="20000"/>
-  <p:timing>
-    <p:tnLst>
-      <p:par>
-        <p:cTn id="1" dur="indefinite" restart="never" nodeType="tmRoot"/>
-      </p:par>
-    </p:tnLst>
-  </p:timing>
 </p:sld>
 </file>
 
@@ -11731,7 +11796,7 @@
           <a:lstStyle/>
           <a:p>
             <a:r>
-              <a:rPr lang="es-ES_tradnl" smtClean="0"/>
+              <a:rPr lang="es-ES_tradnl"/>
               <a:t>2017-2018</a:t>
             </a:r>
             <a:endParaRPr lang="en-US" dirty="0"/>
@@ -11754,10 +11819,9 @@
           <a:lstStyle/>
           <a:p>
             <a:r>
-              <a:rPr lang="es-ES" dirty="0" smtClean="0"/>
-              <a:t>La parte más difícil del desarrollo del proyecto ha sido la implementación</a:t>
-            </a:r>
-            <a:endParaRPr lang="es-ES" dirty="0"/>
+              <a:rPr lang="es-ES" dirty="0"/>
+              <a:t>La parte más exigente del desarrollo del proyecto ha sido la implementación</a:t>
+            </a:r>
           </a:p>
           <a:p>
             <a:endParaRPr lang="es-ES" dirty="0"/>
@@ -11768,8 +11832,8 @@
               <a:buChar char="v"/>
             </a:pPr>
             <a:r>
-              <a:rPr lang="es-ES" dirty="0" smtClean="0"/>
-              <a:t>En primer lugar, la implementación en lo que a HTML y SpringBoot se refiere, ha sido bastante complicada.</a:t>
+              <a:rPr lang="es-ES" dirty="0"/>
+              <a:t>En primer lugar, la implementación en lo que a HTML y SpringBoot se refiere, ha conllevado un reto muy complejo.</a:t>
             </a:r>
           </a:p>
           <a:p>
@@ -11777,9 +11841,16 @@
               <a:buFont typeface="Wingdings" panose="05000000000000000000" pitchFamily="2" charset="2"/>
               <a:buChar char="v"/>
             </a:pPr>
-            <a:r>
-              <a:rPr lang="es-ES" dirty="0" smtClean="0"/>
-              <a:t>Debido a la dificultad de la implementación de algunos elementos, estos no han sido implementados aunque formen parte de los diagramas.</a:t>
+            <a:endParaRPr lang="es-ES" dirty="0"/>
+          </a:p>
+          <a:p>
+            <a:pPr lvl="1">
+              <a:buFont typeface="Wingdings" panose="05000000000000000000" pitchFamily="2" charset="2"/>
+              <a:buChar char="v"/>
+            </a:pPr>
+            <a:r>
+              <a:rPr lang="es-ES" dirty="0"/>
+              <a:t>Debido a la dificultad de la implementación de algunos elementos, aunque formen parte de los diagramas, no han sido añadidos al modelo de implementación.</a:t>
             </a:r>
           </a:p>
         </p:txBody>
@@ -11795,13 +11866,6 @@
     <a:masterClrMapping/>
   </p:clrMapOvr>
   <p:transition advClick="0" advTm="20000"/>
-  <p:timing>
-    <p:tnLst>
-      <p:par>
-        <p:cTn id="1" dur="indefinite" restart="never" nodeType="tmRoot"/>
-      </p:par>
-    </p:tnLst>
-  </p:timing>
 </p:sld>
 </file>
 
@@ -11838,10 +11902,9 @@
           <a:lstStyle/>
           <a:p>
             <a:r>
-              <a:rPr lang="es-ES" dirty="0" smtClean="0"/>
+              <a:rPr lang="es-ES" dirty="0"/>
               <a:t>Actividades Software</a:t>
             </a:r>
-            <a:endParaRPr lang="es-ES" dirty="0"/>
           </a:p>
         </p:txBody>
       </p:sp>
@@ -11857,107 +11920,116 @@
         </p:nvSpPr>
         <p:spPr/>
         <p:txBody>
-          <a:bodyPr/>
+          <a:bodyPr>
+            <a:normAutofit lnSpcReduction="10000"/>
+          </a:bodyPr>
           <a:lstStyle/>
           <a:p>
             <a:pPr marL="285750" indent="-285750">
               <a:buFontTx/>
               <a:buChar char="-"/>
             </a:pPr>
-            <a:r>
-              <a:rPr lang="es-ES" dirty="0" smtClean="0"/>
-              <a:t>- </a:t>
-            </a:r>
-            <a:r>
-              <a:rPr lang="es-ES" b="1" dirty="0" smtClean="0"/>
-              <a:t>Requisitos</a:t>
-            </a:r>
+            <a:endParaRPr lang="es-ES" dirty="0"/>
           </a:p>
           <a:p>
             <a:pPr marL="285750" indent="-285750">
               <a:buFontTx/>
               <a:buChar char="-"/>
             </a:pPr>
-            <a:endParaRPr lang="es-ES" dirty="0" smtClean="0"/>
+            <a:r>
+              <a:rPr lang="es-ES" dirty="0"/>
+              <a:t>- </a:t>
+            </a:r>
+            <a:r>
+              <a:rPr lang="es-ES" b="1" dirty="0"/>
+              <a:t>Requisitos</a:t>
+            </a:r>
           </a:p>
           <a:p>
             <a:pPr marL="285750" indent="-285750">
               <a:buFontTx/>
               <a:buChar char="-"/>
             </a:pPr>
-            <a:r>
-              <a:rPr lang="es-ES" dirty="0" smtClean="0"/>
-              <a:t>- Arquitectura</a:t>
-            </a:r>
+            <a:endParaRPr lang="es-ES" dirty="0"/>
           </a:p>
           <a:p>
             <a:pPr marL="285750" indent="-285750">
               <a:buFontTx/>
               <a:buChar char="-"/>
             </a:pPr>
-            <a:endParaRPr lang="es-ES" dirty="0"/>
+            <a:r>
+              <a:rPr lang="es-ES" dirty="0"/>
+              <a:t>- Arquitectura</a:t>
+            </a:r>
           </a:p>
           <a:p>
             <a:pPr marL="285750" indent="-285750">
               <a:buFontTx/>
               <a:buChar char="-"/>
             </a:pPr>
-            <a:r>
-              <a:rPr lang="es-ES" dirty="0" smtClean="0"/>
-              <a:t>-Modelos</a:t>
-            </a:r>
+            <a:endParaRPr lang="es-ES" dirty="0"/>
           </a:p>
           <a:p>
             <a:pPr marL="285750" indent="-285750">
               <a:buFontTx/>
               <a:buChar char="-"/>
             </a:pPr>
-            <a:endParaRPr lang="es-ES" dirty="0"/>
+            <a:r>
+              <a:rPr lang="es-ES" dirty="0"/>
+              <a:t>-Modelos</a:t>
+            </a:r>
           </a:p>
           <a:p>
             <a:pPr marL="285750" indent="-285750">
               <a:buFontTx/>
               <a:buChar char="-"/>
             </a:pPr>
-            <a:r>
-              <a:rPr lang="es-ES" dirty="0" smtClean="0"/>
-              <a:t>-Patrones/Principios</a:t>
-            </a:r>
+            <a:endParaRPr lang="es-ES" dirty="0"/>
           </a:p>
           <a:p>
             <a:pPr marL="285750" indent="-285750">
               <a:buFontTx/>
               <a:buChar char="-"/>
             </a:pPr>
-            <a:endParaRPr lang="es-ES" dirty="0"/>
+            <a:r>
+              <a:rPr lang="es-ES" dirty="0"/>
+              <a:t>-Patrones/Principios</a:t>
+            </a:r>
           </a:p>
           <a:p>
             <a:pPr marL="285750" indent="-285750">
               <a:buFontTx/>
               <a:buChar char="-"/>
             </a:pPr>
-            <a:r>
-              <a:rPr lang="es-ES" dirty="0" smtClean="0"/>
-              <a:t>-Pruebas</a:t>
-            </a:r>
+            <a:endParaRPr lang="es-ES" dirty="0"/>
           </a:p>
           <a:p>
             <a:pPr marL="285750" indent="-285750">
               <a:buFontTx/>
               <a:buChar char="-"/>
             </a:pPr>
-            <a:endParaRPr lang="es-ES" dirty="0"/>
+            <a:r>
+              <a:rPr lang="es-ES" dirty="0"/>
+              <a:t>-Pruebas</a:t>
+            </a:r>
           </a:p>
           <a:p>
             <a:pPr marL="285750" indent="-285750">
               <a:buFontTx/>
               <a:buChar char="-"/>
             </a:pPr>
-            <a:endParaRPr lang="es-ES" dirty="0" smtClean="0"/>
-          </a:p>
-          <a:p>
             <a:endParaRPr lang="es-ES" dirty="0"/>
           </a:p>
+          <a:p>
+            <a:pPr marL="285750" indent="-285750">
+              <a:buFontTx/>
+              <a:buChar char="-"/>
+            </a:pPr>
+            <a:endParaRPr lang="es-ES" dirty="0"/>
+          </a:p>
+          <a:p>
+            <a:endParaRPr lang="es-ES" dirty="0"/>
+          </a:p>
         </p:txBody>
       </p:sp>
       <p:sp>
@@ -11975,42 +12047,44 @@
           <a:bodyPr/>
           <a:lstStyle/>
           <a:p>
-            <a:r>
-              <a:rPr lang="es-ES" b="1" u="sng" dirty="0" err="1" smtClean="0"/>
-              <a:t>Requisitios</a:t>
-            </a:r>
-            <a:r>
-              <a:rPr lang="es-ES" b="1" u="sng" dirty="0" smtClean="0"/>
-              <a:t> funcionales</a:t>
-            </a:r>
-          </a:p>
-          <a:p>
-            <a:endParaRPr lang="es-ES" u="sng" dirty="0"/>
-          </a:p>
-          <a:p>
-            <a:pPr marL="0" indent="0">
-              <a:buNone/>
-            </a:pPr>
-            <a:r>
-              <a:rPr lang="es-ES" dirty="0" smtClean="0"/>
+            <a:endParaRPr lang="es-ES" b="1" u="sng" dirty="0"/>
+          </a:p>
+          <a:p>
+            <a:r>
+              <a:rPr lang="es-ES" b="1" u="sng" dirty="0"/>
+              <a:t>Requisitos Funcionales</a:t>
+            </a:r>
+          </a:p>
+          <a:p>
+            <a:pPr lvl="1"/>
+            <a:endParaRPr lang="es-ES" b="1" u="sng" dirty="0"/>
+          </a:p>
+          <a:p>
+            <a:pPr lvl="1">
+              <a:buFont typeface="Wingdings" pitchFamily="2" charset="2"/>
+              <a:buChar char="v"/>
+            </a:pPr>
+            <a:r>
+              <a:rPr lang="es-ES" dirty="0"/>
               <a:t>La función más importante es la creación de peticiones</a:t>
             </a:r>
           </a:p>
           <a:p>
-            <a:pPr marL="0" indent="0">
-              <a:buNone/>
+            <a:pPr lvl="1">
+              <a:buFont typeface="Wingdings" pitchFamily="2" charset="2"/>
+              <a:buChar char="v"/>
             </a:pPr>
             <a:endParaRPr lang="es-ES" dirty="0"/>
           </a:p>
           <a:p>
-            <a:pPr marL="0" indent="0">
-              <a:buNone/>
-            </a:pPr>
-            <a:r>
-              <a:rPr lang="es-ES" dirty="0" smtClean="0"/>
-              <a:t>El usuario debe poder encontrar el tipo de ayuda que se adapta a su problema y en caso de no encontrarla poder añadirla.</a:t>
-            </a:r>
-            <a:endParaRPr lang="es-ES" dirty="0"/>
+            <a:pPr lvl="1">
+              <a:buFont typeface="Wingdings" pitchFamily="2" charset="2"/>
+              <a:buChar char="v"/>
+            </a:pPr>
+            <a:r>
+              <a:rPr lang="es-ES" dirty="0"/>
+              <a:t>El usuario debe poder encontrar el tipo de ayuda que se adapta a su problema, y en caso de no encontrarla, poder añadirla.</a:t>
+            </a:r>
           </a:p>
         </p:txBody>
       </p:sp>
@@ -12030,7 +12104,7 @@
           <a:lstStyle/>
           <a:p>
             <a:r>
-              <a:rPr lang="es-ES_tradnl" smtClean="0"/>
+              <a:rPr lang="es-ES_tradnl"/>
               <a:t>2017-2018</a:t>
             </a:r>
             <a:endParaRPr lang="en-US" dirty="0"/>
@@ -12048,13 +12122,6 @@
     <a:masterClrMapping/>
   </p:clrMapOvr>
   <p:transition advClick="0" advTm="20000"/>
-  <p:timing>
-    <p:tnLst>
-      <p:par>
-        <p:cTn id="1" dur="indefinite" restart="never" nodeType="tmRoot"/>
-      </p:par>
-    </p:tnLst>
-  </p:timing>
 </p:sld>
 </file>
 
@@ -12109,85 +12176,94 @@
         </p:nvSpPr>
         <p:spPr/>
         <p:txBody>
-          <a:bodyPr/>
+          <a:bodyPr>
+            <a:normAutofit lnSpcReduction="10000"/>
+          </a:bodyPr>
           <a:lstStyle/>
           <a:p>
             <a:pPr marL="285750" indent="-285750">
               <a:buFontTx/>
               <a:buChar char="-"/>
             </a:pPr>
-            <a:r>
-              <a:rPr lang="es-ES" dirty="0"/>
-              <a:t>- </a:t>
-            </a:r>
-            <a:r>
-              <a:rPr lang="es-ES" b="1" dirty="0"/>
-              <a:t>Requisitos</a:t>
-            </a:r>
+            <a:endParaRPr lang="es-ES" dirty="0"/>
           </a:p>
           <a:p>
             <a:pPr marL="285750" indent="-285750">
               <a:buFontTx/>
               <a:buChar char="-"/>
             </a:pPr>
-            <a:endParaRPr lang="es-ES" dirty="0"/>
+            <a:r>
+              <a:rPr lang="es-ES" dirty="0"/>
+              <a:t>- </a:t>
+            </a:r>
+            <a:r>
+              <a:rPr lang="es-ES" b="1" dirty="0"/>
+              <a:t>Requisitos</a:t>
+            </a:r>
           </a:p>
           <a:p>
             <a:pPr marL="285750" indent="-285750">
               <a:buFontTx/>
               <a:buChar char="-"/>
             </a:pPr>
-            <a:r>
-              <a:rPr lang="es-ES" dirty="0"/>
-              <a:t>- Arquitectura</a:t>
-            </a:r>
+            <a:endParaRPr lang="es-ES" dirty="0"/>
           </a:p>
           <a:p>
             <a:pPr marL="285750" indent="-285750">
               <a:buFontTx/>
               <a:buChar char="-"/>
             </a:pPr>
-            <a:endParaRPr lang="es-ES" dirty="0"/>
+            <a:r>
+              <a:rPr lang="es-ES" dirty="0"/>
+              <a:t>- Arquitectura</a:t>
+            </a:r>
           </a:p>
           <a:p>
             <a:pPr marL="285750" indent="-285750">
               <a:buFontTx/>
               <a:buChar char="-"/>
             </a:pPr>
-            <a:r>
-              <a:rPr lang="es-ES" dirty="0"/>
-              <a:t>-Modelos</a:t>
-            </a:r>
+            <a:endParaRPr lang="es-ES" dirty="0"/>
           </a:p>
           <a:p>
             <a:pPr marL="285750" indent="-285750">
               <a:buFontTx/>
               <a:buChar char="-"/>
             </a:pPr>
-            <a:endParaRPr lang="es-ES" dirty="0"/>
+            <a:r>
+              <a:rPr lang="es-ES" dirty="0"/>
+              <a:t>-Modelos</a:t>
+            </a:r>
           </a:p>
           <a:p>
             <a:pPr marL="285750" indent="-285750">
               <a:buFontTx/>
               <a:buChar char="-"/>
             </a:pPr>
-            <a:r>
-              <a:rPr lang="es-ES" dirty="0"/>
-              <a:t>-Patrones/Principios</a:t>
-            </a:r>
+            <a:endParaRPr lang="es-ES" dirty="0"/>
           </a:p>
           <a:p>
             <a:pPr marL="285750" indent="-285750">
               <a:buFontTx/>
               <a:buChar char="-"/>
             </a:pPr>
-            <a:endParaRPr lang="es-ES" dirty="0"/>
+            <a:r>
+              <a:rPr lang="es-ES" dirty="0"/>
+              <a:t>-Patrones/Principios</a:t>
+            </a:r>
           </a:p>
           <a:p>
             <a:pPr marL="285750" indent="-285750">
               <a:buFontTx/>
               <a:buChar char="-"/>
             </a:pPr>
+            <a:endParaRPr lang="es-ES" dirty="0"/>
+          </a:p>
+          <a:p>
+            <a:pPr marL="285750" indent="-285750">
+              <a:buFontTx/>
+              <a:buChar char="-"/>
+            </a:pPr>
             <a:r>
               <a:rPr lang="es-ES" dirty="0"/>
               <a:t>-Pruebas</a:t>
@@ -12213,58 +12289,57 @@
           <a:bodyPr/>
           <a:lstStyle/>
           <a:p>
-            <a:r>
-              <a:rPr lang="es-ES" b="1" u="sng" dirty="0" err="1" smtClean="0"/>
-              <a:t>Requisitios</a:t>
-            </a:r>
-            <a:r>
-              <a:rPr lang="es-ES" b="1" u="sng" dirty="0" smtClean="0"/>
-              <a:t> no </a:t>
-            </a:r>
+            <a:endParaRPr lang="es-ES" b="1" u="sng" dirty="0"/>
+          </a:p>
+          <a:p>
             <a:r>
               <a:rPr lang="es-ES" b="1" u="sng" dirty="0"/>
-              <a:t>funcionales</a:t>
-            </a:r>
-          </a:p>
-          <a:p>
-            <a:endParaRPr lang="es-ES" u="sng" dirty="0"/>
+              <a:t>Requisitos No Funcionales</a:t>
+            </a:r>
+          </a:p>
+          <a:p>
+            <a:endParaRPr lang="es-ES" b="1" u="sng" dirty="0"/>
+          </a:p>
+          <a:p>
+            <a:pPr lvl="1">
+              <a:buFont typeface="Wingdings" pitchFamily="2" charset="2"/>
+              <a:buChar char="v"/>
+            </a:pPr>
+            <a:r>
+              <a:rPr lang="es-ES" dirty="0"/>
+              <a:t>No muestra datos personales de usuario, a excepción de información básica.</a:t>
+            </a:r>
+          </a:p>
+          <a:p>
+            <a:pPr lvl="1">
+              <a:buFont typeface="Wingdings" pitchFamily="2" charset="2"/>
+              <a:buChar char="v"/>
+            </a:pPr>
+            <a:endParaRPr lang="es-ES" dirty="0"/>
+          </a:p>
+          <a:p>
+            <a:pPr lvl="1">
+              <a:buFont typeface="Wingdings" pitchFamily="2" charset="2"/>
+              <a:buChar char="v"/>
+            </a:pPr>
+            <a:r>
+              <a:rPr lang="es-ES" dirty="0"/>
+              <a:t>Filtro de peticiones atendiendo  a su prioridad y localización.</a:t>
+            </a:r>
+          </a:p>
+          <a:p>
+            <a:pPr>
+              <a:buFont typeface="Wingdings" pitchFamily="2" charset="2"/>
+              <a:buChar char="v"/>
+            </a:pPr>
+            <a:endParaRPr lang="es-ES" dirty="0"/>
           </a:p>
           <a:p>
             <a:pPr marL="0" indent="0">
               <a:buNone/>
             </a:pPr>
-            <a:r>
-              <a:rPr lang="es-ES" dirty="0" smtClean="0"/>
-              <a:t>Los datos personales no son mostrados a los demás usuarios, solo información básica.</a:t>
-            </a:r>
-          </a:p>
-          <a:p>
-            <a:pPr marL="0" indent="0">
-              <a:buNone/>
-            </a:pPr>
             <a:endParaRPr lang="es-ES" dirty="0"/>
           </a:p>
-          <a:p>
-            <a:pPr marL="0" indent="0">
-              <a:buNone/>
-            </a:pPr>
-            <a:r>
-              <a:rPr lang="es-ES" dirty="0" smtClean="0"/>
-              <a:t>Filtración de peticiones atendiendo  a su prioridad y localización.</a:t>
-            </a:r>
-          </a:p>
-          <a:p>
-            <a:pPr marL="0" indent="0">
-              <a:buNone/>
-            </a:pPr>
-            <a:endParaRPr lang="es-ES" dirty="0"/>
-          </a:p>
-          <a:p>
-            <a:pPr marL="0" indent="0">
-              <a:buNone/>
-            </a:pPr>
-            <a:endParaRPr lang="es-ES" dirty="0"/>
-          </a:p>
         </p:txBody>
       </p:sp>
       <p:sp>
@@ -12283,7 +12358,7 @@
           <a:lstStyle/>
           <a:p>
             <a:r>
-              <a:rPr lang="es-ES_tradnl" smtClean="0"/>
+              <a:rPr lang="es-ES_tradnl"/>
               <a:t>2017-2018</a:t>
             </a:r>
             <a:endParaRPr lang="en-US" dirty="0"/>
@@ -12301,13 +12376,6 @@
     <a:masterClrMapping/>
   </p:clrMapOvr>
   <p:transition advClick="0" advTm="20000"/>
-  <p:timing>
-    <p:tnLst>
-      <p:par>
-        <p:cTn id="1" dur="indefinite" restart="never" nodeType="tmRoot"/>
-      </p:par>
-    </p:tnLst>
-  </p:timing>
 </p:sld>
 </file>
 
@@ -12362,8 +12430,17 @@
         </p:nvSpPr>
         <p:spPr/>
         <p:txBody>
-          <a:bodyPr/>
-          <a:lstStyle/>
+          <a:bodyPr>
+            <a:normAutofit lnSpcReduction="10000"/>
+          </a:bodyPr>
+          <a:lstStyle/>
+          <a:p>
+            <a:pPr marL="285750" indent="-285750">
+              <a:buFontTx/>
+              <a:buChar char="-"/>
+            </a:pPr>
+            <a:endParaRPr lang="es-ES" b="1" dirty="0"/>
+          </a:p>
           <a:p>
             <a:pPr marL="285750" indent="-285750">
               <a:buFontTx/>
@@ -12492,7 +12569,7 @@
           <a:lstStyle/>
           <a:p>
             <a:r>
-              <a:rPr lang="es-ES_tradnl" smtClean="0"/>
+              <a:rPr lang="es-ES_tradnl"/>
               <a:t>2017-2018</a:t>
             </a:r>
             <a:endParaRPr lang="en-US" dirty="0"/>
@@ -12510,13 +12587,6 @@
     <a:masterClrMapping/>
   </p:clrMapOvr>
   <p:transition advClick="0" advTm="20000"/>
-  <p:timing>
-    <p:tnLst>
-      <p:par>
-        <p:cTn id="1" dur="indefinite" restart="never" nodeType="tmRoot"/>
-      </p:par>
-    </p:tnLst>
-  </p:timing>
 </p:sld>
 </file>
 
